--- a/2장/20164091-송희령-2주차 과제.pptx
+++ b/2장/20164091-송희령-2주차 과제.pptx
@@ -11,7 +11,12 @@
     <p:sldId id="369" r:id="rId5"/>
     <p:sldId id="370" r:id="rId6"/>
     <p:sldId id="371" r:id="rId7"/>
-    <p:sldId id="258" r:id="rId8"/>
+    <p:sldId id="372" r:id="rId8"/>
+    <p:sldId id="373" r:id="rId9"/>
+    <p:sldId id="374" r:id="rId10"/>
+    <p:sldId id="375" r:id="rId11"/>
+    <p:sldId id="376" r:id="rId12"/>
+    <p:sldId id="258" r:id="rId13"/>
   </p:sldIdLst>
   <p:sldSz cx="12192000" cy="6858000"/>
   <p:notesSz cx="6858000" cy="9144000"/>
@@ -272,7 +277,7 @@
                 </a:solidFill>
               </a:rPr>
               <a:pPr/>
-              <a:t>2021. 9. 8.</a:t>
+              <a:t>2021. 9. 10.</a:t>
             </a:fld>
             <a:endParaRPr lang="ko-KR" altLang="en-US">
               <a:solidFill>
@@ -502,7 +507,7 @@
                 </a:solidFill>
               </a:rPr>
               <a:pPr/>
-              <a:t>2021. 9. 8.</a:t>
+              <a:t>2021. 9. 10.</a:t>
             </a:fld>
             <a:endParaRPr lang="ko-KR" altLang="en-US">
               <a:solidFill>
@@ -742,7 +747,7 @@
                 </a:solidFill>
               </a:rPr>
               <a:pPr/>
-              <a:t>2021. 9. 8.</a:t>
+              <a:t>2021. 9. 10.</a:t>
             </a:fld>
             <a:endParaRPr lang="ko-KR" altLang="en-US">
               <a:solidFill>
@@ -972,7 +977,7 @@
                 </a:solidFill>
               </a:rPr>
               <a:pPr/>
-              <a:t>2021. 9. 8.</a:t>
+              <a:t>2021. 9. 10.</a:t>
             </a:fld>
             <a:endParaRPr lang="ko-KR" altLang="en-US">
               <a:solidFill>
@@ -1279,7 +1284,7 @@
                 </a:solidFill>
               </a:rPr>
               <a:pPr/>
-              <a:t>2021. 9. 8.</a:t>
+              <a:t>2021. 9. 10.</a:t>
             </a:fld>
             <a:endParaRPr lang="ko-KR" altLang="en-US">
               <a:solidFill>
@@ -1576,7 +1581,7 @@
                 </a:solidFill>
               </a:rPr>
               <a:pPr/>
-              <a:t>2021. 9. 8.</a:t>
+              <a:t>2021. 9. 10.</a:t>
             </a:fld>
             <a:endParaRPr lang="ko-KR" altLang="en-US">
               <a:solidFill>
@@ -2020,7 +2025,7 @@
                 </a:solidFill>
               </a:rPr>
               <a:pPr/>
-              <a:t>2021. 9. 8.</a:t>
+              <a:t>2021. 9. 10.</a:t>
             </a:fld>
             <a:endParaRPr lang="ko-KR" altLang="en-US">
               <a:solidFill>
@@ -2193,7 +2198,7 @@
                 </a:solidFill>
               </a:rPr>
               <a:pPr/>
-              <a:t>2021. 9. 8.</a:t>
+              <a:t>2021. 9. 10.</a:t>
             </a:fld>
             <a:endParaRPr lang="ko-KR" altLang="en-US">
               <a:solidFill>
@@ -2338,7 +2343,7 @@
                 </a:solidFill>
               </a:rPr>
               <a:pPr/>
-              <a:t>2021. 9. 8.</a:t>
+              <a:t>2021. 9. 10.</a:t>
             </a:fld>
             <a:endParaRPr lang="ko-KR" altLang="en-US">
               <a:solidFill>
@@ -2681,7 +2686,7 @@
                 </a:solidFill>
               </a:rPr>
               <a:pPr/>
-              <a:t>2021. 9. 8.</a:t>
+              <a:t>2021. 9. 10.</a:t>
             </a:fld>
             <a:endParaRPr lang="ko-KR" altLang="en-US">
               <a:solidFill>
@@ -3001,7 +3006,7 @@
                 </a:solidFill>
               </a:rPr>
               <a:pPr/>
-              <a:t>2021. 9. 8.</a:t>
+              <a:t>2021. 9. 10.</a:t>
             </a:fld>
             <a:endParaRPr lang="ko-KR" altLang="en-US">
               <a:solidFill>
@@ -3274,7 +3279,7 @@
                 </a:solidFill>
               </a:rPr>
               <a:pPr/>
-              <a:t>2021. 9. 8.</a:t>
+              <a:t>2021. 9. 10.</a:t>
             </a:fld>
             <a:endParaRPr lang="ko-KR" altLang="en-US">
               <a:solidFill>
@@ -4124,6 +4129,975 @@
 </p:sld>
 </file>
 
+<file path=ppt/slides/slide10.xml><?xml version="1.0" encoding="utf-8"?>
+<p:sld xmlns:a="http://schemas.openxmlformats.org/drawingml/2006/main" xmlns:r="http://schemas.openxmlformats.org/officeDocument/2006/relationships" xmlns:p="http://schemas.openxmlformats.org/presentationml/2006/main">
+  <p:cSld>
+    <p:spTree>
+      <p:nvGrpSpPr>
+        <p:cNvPr id="1" name=""/>
+        <p:cNvGrpSpPr/>
+        <p:nvPr/>
+      </p:nvGrpSpPr>
+      <p:grpSpPr>
+        <a:xfrm>
+          <a:off x="0" y="0"/>
+          <a:ext cx="0" cy="0"/>
+          <a:chOff x="0" y="0"/>
+          <a:chExt cx="0" cy="0"/>
+        </a:xfrm>
+      </p:grpSpPr>
+      <p:sp>
+        <p:nvSpPr>
+          <p:cNvPr id="37" name="직사각형 36">
+            <a:extLst>
+              <a:ext uri="{FF2B5EF4-FFF2-40B4-BE49-F238E27FC236}">
+                <a16:creationId xmlns:a16="http://schemas.microsoft.com/office/drawing/2014/main" id="{3F15C60C-17FE-422D-AFCF-73C75A021362}"/>
+              </a:ext>
+            </a:extLst>
+          </p:cNvPr>
+          <p:cNvSpPr/>
+          <p:nvPr/>
+        </p:nvSpPr>
+        <p:spPr>
+          <a:xfrm>
+            <a:off x="3697172" y="332194"/>
+            <a:ext cx="4713765" cy="735842"/>
+          </a:xfrm>
+          <a:prstGeom prst="rect">
+            <a:avLst/>
+          </a:prstGeom>
+        </p:spPr>
+        <p:txBody>
+          <a:bodyPr wrap="square">
+            <a:spAutoFit/>
+          </a:bodyPr>
+          <a:lstStyle/>
+          <a:p>
+            <a:pPr algn="ctr" latinLnBrk="0">
+              <a:lnSpc>
+                <a:spcPct val="150000"/>
+              </a:lnSpc>
+              <a:defRPr/>
+            </a:pPr>
+            <a:r>
+              <a:rPr lang="en-US" altLang="ko-KR" sz="3200" b="1" i="1" kern="0" dirty="0">
+                <a:solidFill>
+                  <a:srgbClr val="FF7876"/>
+                </a:solidFill>
+              </a:rPr>
+              <a:t>2</a:t>
+            </a:r>
+          </a:p>
+        </p:txBody>
+      </p:sp>
+      <p:cxnSp>
+        <p:nvCxnSpPr>
+          <p:cNvPr id="38" name="직선 연결선 37">
+            <a:extLst>
+              <a:ext uri="{FF2B5EF4-FFF2-40B4-BE49-F238E27FC236}">
+                <a16:creationId xmlns:a16="http://schemas.microsoft.com/office/drawing/2014/main" id="{940134F4-F272-426A-B50B-8075427DF501}"/>
+              </a:ext>
+            </a:extLst>
+          </p:cNvPr>
+          <p:cNvCxnSpPr>
+            <a:cxnSpLocks/>
+          </p:cNvCxnSpPr>
+          <p:nvPr/>
+        </p:nvCxnSpPr>
+        <p:spPr>
+          <a:xfrm flipV="1">
+            <a:off x="843148" y="847712"/>
+            <a:ext cx="4769087" cy="1"/>
+          </a:xfrm>
+          <a:prstGeom prst="line">
+            <a:avLst/>
+          </a:prstGeom>
+          <a:ln w="6350">
+            <a:solidFill>
+              <a:srgbClr val="FF7876"/>
+            </a:solidFill>
+            <a:prstDash val="sysDash"/>
+            <a:tailEnd type="oval"/>
+          </a:ln>
+        </p:spPr>
+        <p:style>
+          <a:lnRef idx="1">
+            <a:schemeClr val="accent1"/>
+          </a:lnRef>
+          <a:fillRef idx="0">
+            <a:schemeClr val="accent1"/>
+          </a:fillRef>
+          <a:effectRef idx="0">
+            <a:schemeClr val="accent1"/>
+          </a:effectRef>
+          <a:fontRef idx="minor">
+            <a:schemeClr val="tx1"/>
+          </a:fontRef>
+        </p:style>
+      </p:cxnSp>
+      <p:cxnSp>
+        <p:nvCxnSpPr>
+          <p:cNvPr id="39" name="직선 연결선 38">
+            <a:extLst>
+              <a:ext uri="{FF2B5EF4-FFF2-40B4-BE49-F238E27FC236}">
+                <a16:creationId xmlns:a16="http://schemas.microsoft.com/office/drawing/2014/main" id="{55EBD739-0979-4546-8E6B-9CA8052FC540}"/>
+              </a:ext>
+            </a:extLst>
+          </p:cNvPr>
+          <p:cNvCxnSpPr>
+            <a:cxnSpLocks/>
+          </p:cNvCxnSpPr>
+          <p:nvPr/>
+        </p:nvCxnSpPr>
+        <p:spPr>
+          <a:xfrm flipH="1">
+            <a:off x="6579767" y="847712"/>
+            <a:ext cx="4692810" cy="0"/>
+          </a:xfrm>
+          <a:prstGeom prst="line">
+            <a:avLst/>
+          </a:prstGeom>
+          <a:ln w="6350">
+            <a:solidFill>
+              <a:srgbClr val="FF7876"/>
+            </a:solidFill>
+            <a:prstDash val="sysDash"/>
+            <a:tailEnd type="oval"/>
+          </a:ln>
+        </p:spPr>
+        <p:style>
+          <a:lnRef idx="1">
+            <a:schemeClr val="accent1"/>
+          </a:lnRef>
+          <a:fillRef idx="0">
+            <a:schemeClr val="accent1"/>
+          </a:fillRef>
+          <a:effectRef idx="0">
+            <a:schemeClr val="accent1"/>
+          </a:effectRef>
+          <a:fontRef idx="minor">
+            <a:schemeClr val="tx1"/>
+          </a:fontRef>
+        </p:style>
+      </p:cxnSp>
+      <p:sp>
+        <p:nvSpPr>
+          <p:cNvPr id="8" name="TextBox 7">
+            <a:extLst>
+              <a:ext uri="{FF2B5EF4-FFF2-40B4-BE49-F238E27FC236}">
+                <a16:creationId xmlns:a16="http://schemas.microsoft.com/office/drawing/2014/main" id="{C18154B9-4F65-4277-8C17-63D9702FC25F}"/>
+              </a:ext>
+            </a:extLst>
+          </p:cNvPr>
+          <p:cNvSpPr txBox="1"/>
+          <p:nvPr/>
+        </p:nvSpPr>
+        <p:spPr>
+          <a:xfrm>
+            <a:off x="765146" y="963122"/>
+            <a:ext cx="10507430" cy="261610"/>
+          </a:xfrm>
+          <a:prstGeom prst="rect">
+            <a:avLst/>
+          </a:prstGeom>
+          <a:noFill/>
+        </p:spPr>
+        <p:txBody>
+          <a:bodyPr wrap="square" rtlCol="0">
+            <a:spAutoFit/>
+          </a:bodyPr>
+          <a:lstStyle/>
+          <a:p>
+            <a:pPr algn="ctr"/>
+            <a:r>
+              <a:rPr lang="ko-KR" altLang="en-US" sz="1100" i="1" dirty="0">
+                <a:solidFill>
+                  <a:srgbClr val="FF7876"/>
+                </a:solidFill>
+              </a:rPr>
+              <a:t>주피터 설정 및 실행</a:t>
+            </a:r>
+            <a:endParaRPr lang="en-US" altLang="ko-KR" sz="1100" i="1" dirty="0">
+              <a:solidFill>
+                <a:srgbClr val="FF7876"/>
+              </a:solidFill>
+            </a:endParaRPr>
+          </a:p>
+        </p:txBody>
+      </p:sp>
+      <p:sp>
+        <p:nvSpPr>
+          <p:cNvPr id="29" name="TextBox 28">
+            <a:extLst>
+              <a:ext uri="{FF2B5EF4-FFF2-40B4-BE49-F238E27FC236}">
+                <a16:creationId xmlns:a16="http://schemas.microsoft.com/office/drawing/2014/main" id="{E3EE4462-0DA3-3E4F-824A-75CB5562CE34}"/>
+              </a:ext>
+            </a:extLst>
+          </p:cNvPr>
+          <p:cNvSpPr txBox="1"/>
+          <p:nvPr/>
+        </p:nvSpPr>
+        <p:spPr>
+          <a:xfrm>
+            <a:off x="2991540" y="5599036"/>
+            <a:ext cx="6125027" cy="938719"/>
+          </a:xfrm>
+          <a:prstGeom prst="rect">
+            <a:avLst/>
+          </a:prstGeom>
+          <a:noFill/>
+          <a:ln w="12700">
+            <a:solidFill>
+              <a:srgbClr val="FF7876"/>
+            </a:solidFill>
+          </a:ln>
+        </p:spPr>
+        <p:txBody>
+          <a:bodyPr wrap="square" rtlCol="0">
+            <a:spAutoFit/>
+          </a:bodyPr>
+          <a:lstStyle/>
+          <a:p>
+            <a:pPr algn="ctr"/>
+            <a:r>
+              <a:rPr lang="en-US" altLang="ko-KR" sz="1100" dirty="0"/>
+              <a:t>config </a:t>
+            </a:r>
+            <a:r>
+              <a:rPr lang="ko-KR" altLang="en-US" sz="1100" dirty="0"/>
+              <a:t>설정파일을 열어서 기본 저장 디렉토리를 변경하게 합니다</a:t>
+            </a:r>
+            <a:r>
+              <a:rPr lang="en-US" altLang="ko-KR" sz="1100" dirty="0"/>
+              <a:t>.</a:t>
+            </a:r>
+          </a:p>
+          <a:p>
+            <a:pPr algn="ctr"/>
+            <a:r>
+              <a:rPr lang="ko-KR" altLang="en-US" sz="1100" dirty="0"/>
+              <a:t>저는 과제 폴더에 직접 </a:t>
+            </a:r>
+            <a:r>
+              <a:rPr lang="ko-KR" altLang="en-US" sz="1100" dirty="0" err="1"/>
+              <a:t>저장되는것</a:t>
+            </a:r>
+            <a:r>
+              <a:rPr lang="en-US" altLang="ko-KR" sz="1100" dirty="0"/>
+              <a:t>(git </a:t>
+            </a:r>
+            <a:r>
+              <a:rPr lang="ko-KR" altLang="en-US" sz="1100" dirty="0"/>
+              <a:t>연동</a:t>
+            </a:r>
+            <a:r>
+              <a:rPr lang="en-US" altLang="ko-KR" sz="1100" dirty="0"/>
+              <a:t>)</a:t>
+            </a:r>
+            <a:r>
+              <a:rPr lang="ko-KR" altLang="en-US" sz="1100" dirty="0"/>
+              <a:t>을 선호해서</a:t>
+            </a:r>
+            <a:endParaRPr lang="en-US" altLang="ko-KR" sz="1100" dirty="0"/>
+          </a:p>
+          <a:p>
+            <a:pPr algn="ctr"/>
+            <a:r>
+              <a:rPr lang="en-US" altLang="ko-KR" sz="1100" dirty="0" err="1"/>
+              <a:t>c.NotebookApp.notebook_dir</a:t>
+            </a:r>
+            <a:r>
+              <a:rPr lang="ko-KR" altLang="en-US" sz="1100" dirty="0"/>
+              <a:t>의 주석을 해제 후</a:t>
+            </a:r>
+            <a:endParaRPr lang="en-US" altLang="ko-KR" sz="1100" dirty="0"/>
+          </a:p>
+          <a:p>
+            <a:pPr algn="ctr"/>
+            <a:r>
+              <a:rPr lang="ko-KR" altLang="en-US" sz="1100" dirty="0" err="1"/>
+              <a:t>과제폴더의</a:t>
+            </a:r>
+            <a:r>
+              <a:rPr lang="ko-KR" altLang="en-US" sz="1100" dirty="0"/>
+              <a:t> 경로를 입력해주었습니다</a:t>
+            </a:r>
+            <a:r>
+              <a:rPr lang="en-US" altLang="ko-KR" sz="1100" dirty="0"/>
+              <a:t>.</a:t>
+            </a:r>
+          </a:p>
+          <a:p>
+            <a:pPr algn="ctr"/>
+            <a:r>
+              <a:rPr lang="ko-KR" altLang="en-US" sz="1100" dirty="0"/>
+              <a:t>이후 저장 후 종료해줍니다</a:t>
+            </a:r>
+            <a:r>
+              <a:rPr lang="en-US" altLang="ko-KR" sz="1100" dirty="0"/>
+              <a:t>.</a:t>
+            </a:r>
+          </a:p>
+        </p:txBody>
+      </p:sp>
+      <p:pic>
+        <p:nvPicPr>
+          <p:cNvPr id="5" name="그림 4">
+            <a:extLst>
+              <a:ext uri="{FF2B5EF4-FFF2-40B4-BE49-F238E27FC236}">
+                <a16:creationId xmlns:a16="http://schemas.microsoft.com/office/drawing/2014/main" id="{92162DA4-5C60-A14B-BD50-DC4EFFBCA599}"/>
+              </a:ext>
+            </a:extLst>
+          </p:cNvPr>
+          <p:cNvPicPr>
+            <a:picLocks noChangeAspect="1"/>
+          </p:cNvPicPr>
+          <p:nvPr/>
+        </p:nvPicPr>
+        <p:blipFill>
+          <a:blip r:embed="rId2"/>
+          <a:stretch>
+            <a:fillRect/>
+          </a:stretch>
+        </p:blipFill>
+        <p:spPr>
+          <a:xfrm>
+            <a:off x="2960689" y="1448624"/>
+            <a:ext cx="6270622" cy="3926520"/>
+          </a:xfrm>
+          <a:prstGeom prst="rect">
+            <a:avLst/>
+          </a:prstGeom>
+        </p:spPr>
+      </p:pic>
+    </p:spTree>
+    <p:extLst>
+      <p:ext uri="{BB962C8B-B14F-4D97-AF65-F5344CB8AC3E}">
+        <p14:creationId xmlns:p14="http://schemas.microsoft.com/office/powerpoint/2010/main" val="2234574039"/>
+      </p:ext>
+    </p:extLst>
+  </p:cSld>
+  <p:clrMapOvr>
+    <a:masterClrMapping/>
+  </p:clrMapOvr>
+</p:sld>
+</file>
+
+<file path=ppt/slides/slide11.xml><?xml version="1.0" encoding="utf-8"?>
+<p:sld xmlns:a="http://schemas.openxmlformats.org/drawingml/2006/main" xmlns:r="http://schemas.openxmlformats.org/officeDocument/2006/relationships" xmlns:p="http://schemas.openxmlformats.org/presentationml/2006/main">
+  <p:cSld>
+    <p:spTree>
+      <p:nvGrpSpPr>
+        <p:cNvPr id="1" name=""/>
+        <p:cNvGrpSpPr/>
+        <p:nvPr/>
+      </p:nvGrpSpPr>
+      <p:grpSpPr>
+        <a:xfrm>
+          <a:off x="0" y="0"/>
+          <a:ext cx="0" cy="0"/>
+          <a:chOff x="0" y="0"/>
+          <a:chExt cx="0" cy="0"/>
+        </a:xfrm>
+      </p:grpSpPr>
+      <p:sp>
+        <p:nvSpPr>
+          <p:cNvPr id="37" name="직사각형 36">
+            <a:extLst>
+              <a:ext uri="{FF2B5EF4-FFF2-40B4-BE49-F238E27FC236}">
+                <a16:creationId xmlns:a16="http://schemas.microsoft.com/office/drawing/2014/main" id="{3F15C60C-17FE-422D-AFCF-73C75A021362}"/>
+              </a:ext>
+            </a:extLst>
+          </p:cNvPr>
+          <p:cNvSpPr/>
+          <p:nvPr/>
+        </p:nvSpPr>
+        <p:spPr>
+          <a:xfrm>
+            <a:off x="3697172" y="332194"/>
+            <a:ext cx="4713765" cy="735842"/>
+          </a:xfrm>
+          <a:prstGeom prst="rect">
+            <a:avLst/>
+          </a:prstGeom>
+        </p:spPr>
+        <p:txBody>
+          <a:bodyPr wrap="square">
+            <a:spAutoFit/>
+          </a:bodyPr>
+          <a:lstStyle/>
+          <a:p>
+            <a:pPr algn="ctr" latinLnBrk="0">
+              <a:lnSpc>
+                <a:spcPct val="150000"/>
+              </a:lnSpc>
+              <a:defRPr/>
+            </a:pPr>
+            <a:r>
+              <a:rPr lang="en-US" altLang="ko-KR" sz="3200" b="1" i="1" kern="0" dirty="0">
+                <a:solidFill>
+                  <a:srgbClr val="FF7876"/>
+                </a:solidFill>
+              </a:rPr>
+              <a:t>2</a:t>
+            </a:r>
+          </a:p>
+        </p:txBody>
+      </p:sp>
+      <p:cxnSp>
+        <p:nvCxnSpPr>
+          <p:cNvPr id="38" name="직선 연결선 37">
+            <a:extLst>
+              <a:ext uri="{FF2B5EF4-FFF2-40B4-BE49-F238E27FC236}">
+                <a16:creationId xmlns:a16="http://schemas.microsoft.com/office/drawing/2014/main" id="{940134F4-F272-426A-B50B-8075427DF501}"/>
+              </a:ext>
+            </a:extLst>
+          </p:cNvPr>
+          <p:cNvCxnSpPr>
+            <a:cxnSpLocks/>
+          </p:cNvCxnSpPr>
+          <p:nvPr/>
+        </p:nvCxnSpPr>
+        <p:spPr>
+          <a:xfrm flipV="1">
+            <a:off x="843148" y="847712"/>
+            <a:ext cx="4769087" cy="1"/>
+          </a:xfrm>
+          <a:prstGeom prst="line">
+            <a:avLst/>
+          </a:prstGeom>
+          <a:ln w="6350">
+            <a:solidFill>
+              <a:srgbClr val="FF7876"/>
+            </a:solidFill>
+            <a:prstDash val="sysDash"/>
+            <a:tailEnd type="oval"/>
+          </a:ln>
+        </p:spPr>
+        <p:style>
+          <a:lnRef idx="1">
+            <a:schemeClr val="accent1"/>
+          </a:lnRef>
+          <a:fillRef idx="0">
+            <a:schemeClr val="accent1"/>
+          </a:fillRef>
+          <a:effectRef idx="0">
+            <a:schemeClr val="accent1"/>
+          </a:effectRef>
+          <a:fontRef idx="minor">
+            <a:schemeClr val="tx1"/>
+          </a:fontRef>
+        </p:style>
+      </p:cxnSp>
+      <p:cxnSp>
+        <p:nvCxnSpPr>
+          <p:cNvPr id="39" name="직선 연결선 38">
+            <a:extLst>
+              <a:ext uri="{FF2B5EF4-FFF2-40B4-BE49-F238E27FC236}">
+                <a16:creationId xmlns:a16="http://schemas.microsoft.com/office/drawing/2014/main" id="{55EBD739-0979-4546-8E6B-9CA8052FC540}"/>
+              </a:ext>
+            </a:extLst>
+          </p:cNvPr>
+          <p:cNvCxnSpPr>
+            <a:cxnSpLocks/>
+          </p:cNvCxnSpPr>
+          <p:nvPr/>
+        </p:nvCxnSpPr>
+        <p:spPr>
+          <a:xfrm flipH="1">
+            <a:off x="6579767" y="847712"/>
+            <a:ext cx="4692810" cy="0"/>
+          </a:xfrm>
+          <a:prstGeom prst="line">
+            <a:avLst/>
+          </a:prstGeom>
+          <a:ln w="6350">
+            <a:solidFill>
+              <a:srgbClr val="FF7876"/>
+            </a:solidFill>
+            <a:prstDash val="sysDash"/>
+            <a:tailEnd type="oval"/>
+          </a:ln>
+        </p:spPr>
+        <p:style>
+          <a:lnRef idx="1">
+            <a:schemeClr val="accent1"/>
+          </a:lnRef>
+          <a:fillRef idx="0">
+            <a:schemeClr val="accent1"/>
+          </a:fillRef>
+          <a:effectRef idx="0">
+            <a:schemeClr val="accent1"/>
+          </a:effectRef>
+          <a:fontRef idx="minor">
+            <a:schemeClr val="tx1"/>
+          </a:fontRef>
+        </p:style>
+      </p:cxnSp>
+      <p:sp>
+        <p:nvSpPr>
+          <p:cNvPr id="8" name="TextBox 7">
+            <a:extLst>
+              <a:ext uri="{FF2B5EF4-FFF2-40B4-BE49-F238E27FC236}">
+                <a16:creationId xmlns:a16="http://schemas.microsoft.com/office/drawing/2014/main" id="{C18154B9-4F65-4277-8C17-63D9702FC25F}"/>
+              </a:ext>
+            </a:extLst>
+          </p:cNvPr>
+          <p:cNvSpPr txBox="1"/>
+          <p:nvPr/>
+        </p:nvSpPr>
+        <p:spPr>
+          <a:xfrm>
+            <a:off x="765146" y="963122"/>
+            <a:ext cx="10507430" cy="261610"/>
+          </a:xfrm>
+          <a:prstGeom prst="rect">
+            <a:avLst/>
+          </a:prstGeom>
+          <a:noFill/>
+        </p:spPr>
+        <p:txBody>
+          <a:bodyPr wrap="square" rtlCol="0">
+            <a:spAutoFit/>
+          </a:bodyPr>
+          <a:lstStyle/>
+          <a:p>
+            <a:pPr algn="ctr"/>
+            <a:r>
+              <a:rPr lang="ko-KR" altLang="en-US" sz="1100" i="1" dirty="0">
+                <a:solidFill>
+                  <a:srgbClr val="FF7876"/>
+                </a:solidFill>
+              </a:rPr>
+              <a:t>주피터 설정 및 실행</a:t>
+            </a:r>
+            <a:endParaRPr lang="en-US" altLang="ko-KR" sz="1100" i="1" dirty="0">
+              <a:solidFill>
+                <a:srgbClr val="FF7876"/>
+              </a:solidFill>
+            </a:endParaRPr>
+          </a:p>
+        </p:txBody>
+      </p:sp>
+      <p:sp>
+        <p:nvSpPr>
+          <p:cNvPr id="29" name="TextBox 28">
+            <a:extLst>
+              <a:ext uri="{FF2B5EF4-FFF2-40B4-BE49-F238E27FC236}">
+                <a16:creationId xmlns:a16="http://schemas.microsoft.com/office/drawing/2014/main" id="{E3EE4462-0DA3-3E4F-824A-75CB5562CE34}"/>
+              </a:ext>
+            </a:extLst>
+          </p:cNvPr>
+          <p:cNvSpPr txBox="1"/>
+          <p:nvPr/>
+        </p:nvSpPr>
+        <p:spPr>
+          <a:xfrm>
+            <a:off x="2991540" y="5599036"/>
+            <a:ext cx="6125027" cy="769441"/>
+          </a:xfrm>
+          <a:prstGeom prst="rect">
+            <a:avLst/>
+          </a:prstGeom>
+          <a:noFill/>
+          <a:ln w="12700">
+            <a:solidFill>
+              <a:srgbClr val="FF7876"/>
+            </a:solidFill>
+          </a:ln>
+        </p:spPr>
+        <p:txBody>
+          <a:bodyPr wrap="square" rtlCol="0">
+            <a:spAutoFit/>
+          </a:bodyPr>
+          <a:lstStyle/>
+          <a:p>
+            <a:pPr algn="ctr"/>
+            <a:r>
+              <a:rPr lang="ko-KR" altLang="en-US" sz="1100" dirty="0"/>
+              <a:t>설정을 완료했으면 이제 주피터 노트북을 실행합니다</a:t>
+            </a:r>
+            <a:r>
+              <a:rPr lang="en-US" altLang="ko-KR" sz="1100" dirty="0"/>
+              <a:t>.</a:t>
+            </a:r>
+          </a:p>
+          <a:p>
+            <a:pPr algn="ctr"/>
+            <a:r>
+              <a:rPr lang="en-US" altLang="ko-KR" sz="1100" dirty="0"/>
+              <a:t>prog </a:t>
+            </a:r>
+            <a:r>
+              <a:rPr lang="ko-KR" altLang="en-US" sz="1100" dirty="0"/>
+              <a:t>가상환경에서 </a:t>
+            </a:r>
+            <a:r>
+              <a:rPr lang="en-US" altLang="ko-KR" sz="1100" dirty="0" err="1"/>
+              <a:t>jupyter</a:t>
+            </a:r>
+            <a:r>
+              <a:rPr lang="en-US" altLang="ko-KR" sz="1100" dirty="0"/>
+              <a:t> notebook</a:t>
+            </a:r>
+            <a:r>
+              <a:rPr lang="ko-KR" altLang="en-US" sz="1100" dirty="0"/>
+              <a:t>을 입력하여 실행합니다</a:t>
+            </a:r>
+            <a:r>
+              <a:rPr lang="en-US" altLang="ko-KR" sz="1100" dirty="0"/>
+              <a:t>.</a:t>
+            </a:r>
+          </a:p>
+          <a:p>
+            <a:pPr algn="ctr"/>
+            <a:r>
+              <a:rPr lang="ko-KR" altLang="en-US" sz="1100" dirty="0"/>
+              <a:t>전에 지정했던 노트북 디렉토리에 맞게 해당 디렉토리의 하위 디렉토리가</a:t>
+            </a:r>
+            <a:endParaRPr lang="en-US" altLang="ko-KR" sz="1100" dirty="0"/>
+          </a:p>
+          <a:p>
+            <a:pPr algn="ctr"/>
+            <a:r>
+              <a:rPr lang="ko-KR" altLang="en-US" sz="1100" dirty="0" err="1"/>
+              <a:t>표현된것을</a:t>
+            </a:r>
+            <a:r>
+              <a:rPr lang="ko-KR" altLang="en-US" sz="1100" dirty="0"/>
+              <a:t> 볼 수 있습니다</a:t>
+            </a:r>
+            <a:r>
+              <a:rPr lang="en-US" altLang="ko-KR" sz="1100" dirty="0"/>
+              <a:t>.</a:t>
+            </a:r>
+          </a:p>
+        </p:txBody>
+      </p:sp>
+      <p:pic>
+        <p:nvPicPr>
+          <p:cNvPr id="2" name="그림 1">
+            <a:extLst>
+              <a:ext uri="{FF2B5EF4-FFF2-40B4-BE49-F238E27FC236}">
+                <a16:creationId xmlns:a16="http://schemas.microsoft.com/office/drawing/2014/main" id="{77F99E07-7EA0-5041-98F3-38DF45013E6A}"/>
+              </a:ext>
+            </a:extLst>
+          </p:cNvPr>
+          <p:cNvPicPr>
+            <a:picLocks noChangeAspect="1"/>
+          </p:cNvPicPr>
+          <p:nvPr/>
+        </p:nvPicPr>
+        <p:blipFill>
+          <a:blip r:embed="rId2"/>
+          <a:stretch>
+            <a:fillRect/>
+          </a:stretch>
+        </p:blipFill>
+        <p:spPr>
+          <a:xfrm>
+            <a:off x="131622" y="1224732"/>
+            <a:ext cx="3813654" cy="3310534"/>
+          </a:xfrm>
+          <a:prstGeom prst="rect">
+            <a:avLst/>
+          </a:prstGeom>
+        </p:spPr>
+      </p:pic>
+      <p:pic>
+        <p:nvPicPr>
+          <p:cNvPr id="3" name="그림 2">
+            <a:extLst>
+              <a:ext uri="{FF2B5EF4-FFF2-40B4-BE49-F238E27FC236}">
+                <a16:creationId xmlns:a16="http://schemas.microsoft.com/office/drawing/2014/main" id="{F1644ED5-7E8B-0F4D-B628-F6EBC842CA35}"/>
+              </a:ext>
+            </a:extLst>
+          </p:cNvPr>
+          <p:cNvPicPr>
+            <a:picLocks noChangeAspect="1"/>
+          </p:cNvPicPr>
+          <p:nvPr/>
+        </p:nvPicPr>
+        <p:blipFill>
+          <a:blip r:embed="rId3"/>
+          <a:stretch>
+            <a:fillRect/>
+          </a:stretch>
+        </p:blipFill>
+        <p:spPr>
+          <a:xfrm>
+            <a:off x="5822891" y="1225882"/>
+            <a:ext cx="5779579" cy="3842013"/>
+          </a:xfrm>
+          <a:prstGeom prst="rect">
+            <a:avLst/>
+          </a:prstGeom>
+        </p:spPr>
+      </p:pic>
+      <p:pic>
+        <p:nvPicPr>
+          <p:cNvPr id="4" name="그림 3">
+            <a:extLst>
+              <a:ext uri="{FF2B5EF4-FFF2-40B4-BE49-F238E27FC236}">
+                <a16:creationId xmlns:a16="http://schemas.microsoft.com/office/drawing/2014/main" id="{6CC243E8-95E7-3F48-9275-44428B8D4E97}"/>
+              </a:ext>
+            </a:extLst>
+          </p:cNvPr>
+          <p:cNvPicPr>
+            <a:picLocks noChangeAspect="1"/>
+          </p:cNvPicPr>
+          <p:nvPr/>
+        </p:nvPicPr>
+        <p:blipFill>
+          <a:blip r:embed="rId4"/>
+          <a:stretch>
+            <a:fillRect/>
+          </a:stretch>
+        </p:blipFill>
+        <p:spPr>
+          <a:xfrm>
+            <a:off x="1899309" y="3109657"/>
+            <a:ext cx="4154744" cy="2431652"/>
+          </a:xfrm>
+          <a:prstGeom prst="rect">
+            <a:avLst/>
+          </a:prstGeom>
+        </p:spPr>
+      </p:pic>
+    </p:spTree>
+    <p:extLst>
+      <p:ext uri="{BB962C8B-B14F-4D97-AF65-F5344CB8AC3E}">
+        <p14:creationId xmlns:p14="http://schemas.microsoft.com/office/powerpoint/2010/main" val="13175971"/>
+      </p:ext>
+    </p:extLst>
+  </p:cSld>
+  <p:clrMapOvr>
+    <a:masterClrMapping/>
+  </p:clrMapOvr>
+</p:sld>
+</file>
+
+<file path=ppt/slides/slide12.xml><?xml version="1.0" encoding="utf-8"?>
+<p:sld xmlns:a="http://schemas.openxmlformats.org/drawingml/2006/main" xmlns:r="http://schemas.openxmlformats.org/officeDocument/2006/relationships" xmlns:p="http://schemas.openxmlformats.org/presentationml/2006/main">
+  <p:cSld>
+    <p:spTree>
+      <p:nvGrpSpPr>
+        <p:cNvPr id="1" name=""/>
+        <p:cNvGrpSpPr/>
+        <p:nvPr/>
+      </p:nvGrpSpPr>
+      <p:grpSpPr>
+        <a:xfrm>
+          <a:off x="0" y="0"/>
+          <a:ext cx="0" cy="0"/>
+          <a:chOff x="0" y="0"/>
+          <a:chExt cx="0" cy="0"/>
+        </a:xfrm>
+      </p:grpSpPr>
+      <p:sp>
+        <p:nvSpPr>
+          <p:cNvPr id="105" name="직사각형 104">
+            <a:extLst>
+              <a:ext uri="{FF2B5EF4-FFF2-40B4-BE49-F238E27FC236}">
+                <a16:creationId xmlns:a16="http://schemas.microsoft.com/office/drawing/2014/main" id="{92F4E01E-679C-4D6B-8449-8DB2AF7B7D34}"/>
+              </a:ext>
+            </a:extLst>
+          </p:cNvPr>
+          <p:cNvSpPr/>
+          <p:nvPr/>
+        </p:nvSpPr>
+        <p:spPr>
+          <a:xfrm>
+            <a:off x="3739117" y="3003678"/>
+            <a:ext cx="4713765" cy="1032077"/>
+          </a:xfrm>
+          <a:prstGeom prst="rect">
+            <a:avLst/>
+          </a:prstGeom>
+        </p:spPr>
+        <p:txBody>
+          <a:bodyPr wrap="square">
+            <a:spAutoFit/>
+          </a:bodyPr>
+          <a:lstStyle/>
+          <a:p>
+            <a:pPr algn="ctr" latinLnBrk="0">
+              <a:lnSpc>
+                <a:spcPct val="150000"/>
+              </a:lnSpc>
+              <a:defRPr/>
+            </a:pPr>
+            <a:r>
+              <a:rPr lang="ko-KR" altLang="en-US" sz="3200" b="1" i="1" kern="0">
+                <a:solidFill>
+                  <a:srgbClr val="FF7876"/>
+                </a:solidFill>
+              </a:rPr>
+              <a:t>감사합니다</a:t>
+            </a:r>
+            <a:r>
+              <a:rPr lang="en-US" altLang="ko-KR" sz="3200" b="1" i="1" kern="0">
+                <a:solidFill>
+                  <a:prstClr val="black">
+                    <a:lumMod val="75000"/>
+                    <a:lumOff val="25000"/>
+                  </a:prstClr>
+                </a:solidFill>
+              </a:rPr>
+              <a:t> </a:t>
+            </a:r>
+            <a:endParaRPr lang="en-US" altLang="ko-KR" sz="3200" b="1" i="1" kern="0" dirty="0">
+              <a:solidFill>
+                <a:prstClr val="black">
+                  <a:lumMod val="75000"/>
+                  <a:lumOff val="25000"/>
+                </a:prstClr>
+              </a:solidFill>
+            </a:endParaRPr>
+          </a:p>
+          <a:p>
+            <a:pPr algn="ctr" latinLnBrk="0">
+              <a:lnSpc>
+                <a:spcPct val="150000"/>
+              </a:lnSpc>
+              <a:defRPr/>
+            </a:pPr>
+            <a:r>
+              <a:rPr lang="en-US" altLang="ko-KR" sz="900" kern="0">
+                <a:solidFill>
+                  <a:prstClr val="black">
+                    <a:lumMod val="75000"/>
+                    <a:lumOff val="25000"/>
+                  </a:prstClr>
+                </a:solidFill>
+              </a:rPr>
+              <a:t>20164091 </a:t>
+            </a:r>
+            <a:r>
+              <a:rPr lang="ko-KR" altLang="en-US" sz="900" kern="0">
+                <a:solidFill>
+                  <a:prstClr val="black">
+                    <a:lumMod val="75000"/>
+                    <a:lumOff val="25000"/>
+                  </a:prstClr>
+                </a:solidFill>
+              </a:rPr>
+              <a:t>송희령</a:t>
+            </a:r>
+            <a:endParaRPr lang="en-US" altLang="ko-KR" sz="900" kern="0" dirty="0">
+              <a:solidFill>
+                <a:prstClr val="black">
+                  <a:lumMod val="75000"/>
+                  <a:lumOff val="25000"/>
+                </a:prstClr>
+              </a:solidFill>
+            </a:endParaRPr>
+          </a:p>
+        </p:txBody>
+      </p:sp>
+      <p:cxnSp>
+        <p:nvCxnSpPr>
+          <p:cNvPr id="25" name="직선 연결선 24">
+            <a:extLst>
+              <a:ext uri="{FF2B5EF4-FFF2-40B4-BE49-F238E27FC236}">
+                <a16:creationId xmlns:a16="http://schemas.microsoft.com/office/drawing/2014/main" id="{5C950320-1D5A-4C58-BB46-CEBCD7EA92EE}"/>
+              </a:ext>
+            </a:extLst>
+          </p:cNvPr>
+          <p:cNvCxnSpPr>
+            <a:cxnSpLocks/>
+          </p:cNvCxnSpPr>
+          <p:nvPr/>
+        </p:nvCxnSpPr>
+        <p:spPr>
+          <a:xfrm flipV="1">
+            <a:off x="859926" y="3518678"/>
+            <a:ext cx="3747936" cy="519"/>
+          </a:xfrm>
+          <a:prstGeom prst="line">
+            <a:avLst/>
+          </a:prstGeom>
+          <a:ln w="6350">
+            <a:solidFill>
+              <a:srgbClr val="FF7876"/>
+            </a:solidFill>
+            <a:prstDash val="sysDash"/>
+            <a:tailEnd type="oval"/>
+          </a:ln>
+        </p:spPr>
+        <p:style>
+          <a:lnRef idx="1">
+            <a:schemeClr val="accent1"/>
+          </a:lnRef>
+          <a:fillRef idx="0">
+            <a:schemeClr val="accent1"/>
+          </a:fillRef>
+          <a:effectRef idx="0">
+            <a:schemeClr val="accent1"/>
+          </a:effectRef>
+          <a:fontRef idx="minor">
+            <a:schemeClr val="tx1"/>
+          </a:fontRef>
+        </p:style>
+      </p:cxnSp>
+      <p:cxnSp>
+        <p:nvCxnSpPr>
+          <p:cNvPr id="26" name="직선 연결선 25">
+            <a:extLst>
+              <a:ext uri="{FF2B5EF4-FFF2-40B4-BE49-F238E27FC236}">
+                <a16:creationId xmlns:a16="http://schemas.microsoft.com/office/drawing/2014/main" id="{4BADCF3C-651C-44CD-8DEE-E875CC3C1444}"/>
+              </a:ext>
+            </a:extLst>
+          </p:cNvPr>
+          <p:cNvCxnSpPr>
+            <a:cxnSpLocks/>
+          </p:cNvCxnSpPr>
+          <p:nvPr/>
+        </p:nvCxnSpPr>
+        <p:spPr>
+          <a:xfrm flipH="1">
+            <a:off x="7584140" y="3519196"/>
+            <a:ext cx="3688436" cy="0"/>
+          </a:xfrm>
+          <a:prstGeom prst="line">
+            <a:avLst/>
+          </a:prstGeom>
+          <a:ln w="6350">
+            <a:solidFill>
+              <a:srgbClr val="FF7876"/>
+            </a:solidFill>
+            <a:prstDash val="sysDash"/>
+            <a:tailEnd type="oval"/>
+          </a:ln>
+        </p:spPr>
+        <p:style>
+          <a:lnRef idx="1">
+            <a:schemeClr val="accent1"/>
+          </a:lnRef>
+          <a:fillRef idx="0">
+            <a:schemeClr val="accent1"/>
+          </a:fillRef>
+          <a:effectRef idx="0">
+            <a:schemeClr val="accent1"/>
+          </a:effectRef>
+          <a:fontRef idx="minor">
+            <a:schemeClr val="tx1"/>
+          </a:fontRef>
+        </p:style>
+      </p:cxnSp>
+    </p:spTree>
+    <p:extLst>
+      <p:ext uri="{BB962C8B-B14F-4D97-AF65-F5344CB8AC3E}">
+        <p14:creationId xmlns:p14="http://schemas.microsoft.com/office/powerpoint/2010/main" val="1066393970"/>
+      </p:ext>
+    </p:extLst>
+  </p:cSld>
+  <p:clrMapOvr>
+    <a:masterClrMapping/>
+  </p:clrMapOvr>
+</p:sld>
+</file>
+
 <file path=ppt/slides/slide2.xml><?xml version="1.0" encoding="utf-8"?>
 <p:sld xmlns:a="http://schemas.openxmlformats.org/drawingml/2006/main" xmlns:r="http://schemas.openxmlformats.org/officeDocument/2006/relationships" xmlns:p="http://schemas.openxmlformats.org/presentationml/2006/main">
   <p:cSld>
@@ -4896,7 +5870,7 @@
                   <a:srgbClr val="FF7876"/>
                 </a:solidFill>
               </a:rPr>
-              <a:t>ex6</a:t>
+              <a:t>1</a:t>
             </a:r>
           </a:p>
         </p:txBody>
@@ -5026,7 +6000,7 @@
                   <a:srgbClr val="FF7876"/>
                 </a:solidFill>
               </a:rPr>
-              <a:t>임의 프로그램 분석</a:t>
+              <a:t>아나콘다 설치</a:t>
             </a:r>
             <a:endParaRPr lang="en-US" altLang="ko-KR" sz="1100" i="1" dirty="0">
               <a:solidFill>
@@ -5226,7 +6200,7 @@
                   <a:srgbClr val="FF7876"/>
                 </a:solidFill>
               </a:rPr>
-              <a:t>ex6</a:t>
+              <a:t>1</a:t>
             </a:r>
           </a:p>
         </p:txBody>
@@ -5356,7 +6330,7 @@
                   <a:srgbClr val="FF7876"/>
                 </a:solidFill>
               </a:rPr>
-              <a:t>임의 프로그램 분석</a:t>
+              <a:t>아나콘다 설치</a:t>
             </a:r>
             <a:endParaRPr lang="en-US" altLang="ko-KR" sz="1100" i="1" dirty="0">
               <a:solidFill>
@@ -5613,7 +6587,7 @@
                   <a:srgbClr val="FF7876"/>
                 </a:solidFill>
               </a:rPr>
-              <a:t>ex6</a:t>
+              <a:t>1</a:t>
             </a:r>
           </a:p>
         </p:txBody>
@@ -5743,7 +6717,7 @@
                   <a:srgbClr val="FF7876"/>
                 </a:solidFill>
               </a:rPr>
-              <a:t>임의 프로그램 분석</a:t>
+              <a:t>아나콘다 설치</a:t>
             </a:r>
             <a:endParaRPr lang="en-US" altLang="ko-KR" sz="1100" i="1" dirty="0">
               <a:solidFill>
@@ -5845,11 +6819,11 @@
             </a:r>
             <a:r>
               <a:rPr lang="ko-KR" altLang="en-US" sz="1100" dirty="0"/>
-              <a:t> 정보를 띄웠습니다</a:t>
+              <a:t> 정보를 확인합니다</a:t>
             </a:r>
             <a:r>
               <a:rPr lang="en-US" altLang="ko-KR" sz="1100" dirty="0"/>
-              <a:t>.</a:t>
+              <a:t>.0</a:t>
             </a:r>
           </a:p>
         </p:txBody>
@@ -5916,10 +6890,10 @@
       </p:grpSpPr>
       <p:sp>
         <p:nvSpPr>
-          <p:cNvPr id="105" name="직사각형 104">
-            <a:extLst>
-              <a:ext uri="{FF2B5EF4-FFF2-40B4-BE49-F238E27FC236}">
-                <a16:creationId xmlns:a16="http://schemas.microsoft.com/office/drawing/2014/main" id="{92F4E01E-679C-4D6B-8449-8DB2AF7B7D34}"/>
+          <p:cNvPr id="37" name="직사각형 36">
+            <a:extLst>
+              <a:ext uri="{FF2B5EF4-FFF2-40B4-BE49-F238E27FC236}">
+                <a16:creationId xmlns:a16="http://schemas.microsoft.com/office/drawing/2014/main" id="{3F15C60C-17FE-422D-AFCF-73C75A021362}"/>
               </a:ext>
             </a:extLst>
           </p:cNvPr>
@@ -5928,8 +6902,8 @@
         </p:nvSpPr>
         <p:spPr>
           <a:xfrm>
-            <a:off x="3739117" y="3003678"/>
-            <a:ext cx="4713765" cy="1032077"/>
+            <a:off x="3697172" y="332194"/>
+            <a:ext cx="4713765" cy="735842"/>
           </a:xfrm>
           <a:prstGeom prst="rect">
             <a:avLst/>
@@ -5948,79 +6922,22 @@
               <a:defRPr/>
             </a:pPr>
             <a:r>
-              <a:rPr lang="ko-KR" altLang="en-US" sz="3200" b="1" i="1" kern="0">
+              <a:rPr lang="en-US" altLang="ko-KR" sz="3200" b="1" i="1" kern="0" dirty="0">
                 <a:solidFill>
                   <a:srgbClr val="FF7876"/>
                 </a:solidFill>
               </a:rPr>
-              <a:t>감사합니다</a:t>
-            </a:r>
-            <a:r>
-              <a:rPr lang="en-US" altLang="ko-KR" sz="3200" b="1" i="1" kern="0">
-                <a:solidFill>
-                  <a:prstClr val="black">
-                    <a:lumMod val="75000"/>
-                    <a:lumOff val="25000"/>
-                  </a:prstClr>
-                </a:solidFill>
-              </a:rPr>
-              <a:t> </a:t>
-            </a:r>
-            <a:endParaRPr lang="en-US" altLang="ko-KR" sz="3200" b="1" i="1" kern="0" dirty="0">
-              <a:solidFill>
-                <a:prstClr val="black">
-                  <a:lumMod val="75000"/>
-                  <a:lumOff val="25000"/>
-                </a:prstClr>
-              </a:solidFill>
-            </a:endParaRPr>
-          </a:p>
-          <a:p>
-            <a:pPr algn="ctr" latinLnBrk="0">
-              <a:lnSpc>
-                <a:spcPct val="150000"/>
-              </a:lnSpc>
-              <a:defRPr/>
-            </a:pPr>
-            <a:r>
-              <a:rPr lang="en-US" altLang="ko-KR" sz="900" kern="0">
-                <a:solidFill>
-                  <a:prstClr val="black">
-                    <a:lumMod val="75000"/>
-                    <a:lumOff val="25000"/>
-                  </a:prstClr>
-                </a:solidFill>
-              </a:rPr>
-              <a:t>20164091 </a:t>
-            </a:r>
-            <a:r>
-              <a:rPr lang="ko-KR" altLang="en-US" sz="900" kern="0">
-                <a:solidFill>
-                  <a:prstClr val="black">
-                    <a:lumMod val="75000"/>
-                    <a:lumOff val="25000"/>
-                  </a:prstClr>
-                </a:solidFill>
-              </a:rPr>
-              <a:t>송희령</a:t>
-            </a:r>
-            <a:endParaRPr lang="en-US" altLang="ko-KR" sz="900" kern="0" dirty="0">
-              <a:solidFill>
-                <a:prstClr val="black">
-                  <a:lumMod val="75000"/>
-                  <a:lumOff val="25000"/>
-                </a:prstClr>
-              </a:solidFill>
-            </a:endParaRPr>
+              <a:t>1</a:t>
+            </a:r>
           </a:p>
         </p:txBody>
       </p:sp>
       <p:cxnSp>
         <p:nvCxnSpPr>
-          <p:cNvPr id="25" name="직선 연결선 24">
-            <a:extLst>
-              <a:ext uri="{FF2B5EF4-FFF2-40B4-BE49-F238E27FC236}">
-                <a16:creationId xmlns:a16="http://schemas.microsoft.com/office/drawing/2014/main" id="{5C950320-1D5A-4C58-BB46-CEBCD7EA92EE}"/>
+          <p:cNvPr id="38" name="직선 연결선 37">
+            <a:extLst>
+              <a:ext uri="{FF2B5EF4-FFF2-40B4-BE49-F238E27FC236}">
+                <a16:creationId xmlns:a16="http://schemas.microsoft.com/office/drawing/2014/main" id="{940134F4-F272-426A-B50B-8075427DF501}"/>
               </a:ext>
             </a:extLst>
           </p:cNvPr>
@@ -6031,8 +6948,8 @@
         </p:nvCxnSpPr>
         <p:spPr>
           <a:xfrm flipV="1">
-            <a:off x="859926" y="3518678"/>
-            <a:ext cx="3747936" cy="519"/>
+            <a:off x="843148" y="847712"/>
+            <a:ext cx="4769087" cy="1"/>
           </a:xfrm>
           <a:prstGeom prst="line">
             <a:avLst/>
@@ -6062,10 +6979,10 @@
       </p:cxnSp>
       <p:cxnSp>
         <p:nvCxnSpPr>
-          <p:cNvPr id="26" name="직선 연결선 25">
-            <a:extLst>
-              <a:ext uri="{FF2B5EF4-FFF2-40B4-BE49-F238E27FC236}">
-                <a16:creationId xmlns:a16="http://schemas.microsoft.com/office/drawing/2014/main" id="{4BADCF3C-651C-44CD-8DEE-E875CC3C1444}"/>
+          <p:cNvPr id="39" name="직선 연결선 38">
+            <a:extLst>
+              <a:ext uri="{FF2B5EF4-FFF2-40B4-BE49-F238E27FC236}">
+                <a16:creationId xmlns:a16="http://schemas.microsoft.com/office/drawing/2014/main" id="{55EBD739-0979-4546-8E6B-9CA8052FC540}"/>
               </a:ext>
             </a:extLst>
           </p:cNvPr>
@@ -6076,8 +6993,8 @@
         </p:nvCxnSpPr>
         <p:spPr>
           <a:xfrm flipH="1">
-            <a:off x="7584140" y="3519196"/>
-            <a:ext cx="3688436" cy="0"/>
+            <a:off x="6579767" y="847712"/>
+            <a:ext cx="4692810" cy="0"/>
           </a:xfrm>
           <a:prstGeom prst="line">
             <a:avLst/>
@@ -6105,10 +7022,920 @@
           </a:fontRef>
         </p:style>
       </p:cxnSp>
+      <p:sp>
+        <p:nvSpPr>
+          <p:cNvPr id="8" name="TextBox 7">
+            <a:extLst>
+              <a:ext uri="{FF2B5EF4-FFF2-40B4-BE49-F238E27FC236}">
+                <a16:creationId xmlns:a16="http://schemas.microsoft.com/office/drawing/2014/main" id="{C18154B9-4F65-4277-8C17-63D9702FC25F}"/>
+              </a:ext>
+            </a:extLst>
+          </p:cNvPr>
+          <p:cNvSpPr txBox="1"/>
+          <p:nvPr/>
+        </p:nvSpPr>
+        <p:spPr>
+          <a:xfrm>
+            <a:off x="765146" y="963122"/>
+            <a:ext cx="10507430" cy="261610"/>
+          </a:xfrm>
+          <a:prstGeom prst="rect">
+            <a:avLst/>
+          </a:prstGeom>
+          <a:noFill/>
+        </p:spPr>
+        <p:txBody>
+          <a:bodyPr wrap="square" rtlCol="0">
+            <a:spAutoFit/>
+          </a:bodyPr>
+          <a:lstStyle/>
+          <a:p>
+            <a:pPr algn="ctr"/>
+            <a:r>
+              <a:rPr lang="ko-KR" altLang="en-US" sz="1100" i="1" dirty="0">
+                <a:solidFill>
+                  <a:srgbClr val="FF7876"/>
+                </a:solidFill>
+              </a:rPr>
+              <a:t>아나콘다 설치</a:t>
+            </a:r>
+            <a:endParaRPr lang="en-US" altLang="ko-KR" sz="1100" i="1" dirty="0">
+              <a:solidFill>
+                <a:srgbClr val="FF7876"/>
+              </a:solidFill>
+            </a:endParaRPr>
+          </a:p>
+        </p:txBody>
+      </p:sp>
+      <p:sp>
+        <p:nvSpPr>
+          <p:cNvPr id="29" name="TextBox 28">
+            <a:extLst>
+              <a:ext uri="{FF2B5EF4-FFF2-40B4-BE49-F238E27FC236}">
+                <a16:creationId xmlns:a16="http://schemas.microsoft.com/office/drawing/2014/main" id="{E3EE4462-0DA3-3E4F-824A-75CB5562CE34}"/>
+              </a:ext>
+            </a:extLst>
+          </p:cNvPr>
+          <p:cNvSpPr txBox="1"/>
+          <p:nvPr/>
+        </p:nvSpPr>
+        <p:spPr>
+          <a:xfrm>
+            <a:off x="2991540" y="5599036"/>
+            <a:ext cx="6125027" cy="600164"/>
+          </a:xfrm>
+          <a:prstGeom prst="rect">
+            <a:avLst/>
+          </a:prstGeom>
+          <a:noFill/>
+          <a:ln w="12700">
+            <a:solidFill>
+              <a:srgbClr val="FF7876"/>
+            </a:solidFill>
+          </a:ln>
+        </p:spPr>
+        <p:txBody>
+          <a:bodyPr wrap="square" rtlCol="0">
+            <a:spAutoFit/>
+          </a:bodyPr>
+          <a:lstStyle/>
+          <a:p>
+            <a:pPr algn="ctr"/>
+            <a:r>
+              <a:rPr lang="ko-KR" altLang="en-US" sz="1100" dirty="0"/>
+              <a:t>기본 </a:t>
+            </a:r>
+            <a:r>
+              <a:rPr lang="en-US" altLang="ko-KR" sz="1100" dirty="0"/>
+              <a:t>base</a:t>
+            </a:r>
+            <a:r>
+              <a:rPr lang="ko-KR" altLang="en-US" sz="1100" dirty="0"/>
+              <a:t>에 설치된 패키지들을 확인하기위해</a:t>
+            </a:r>
+            <a:endParaRPr lang="en-US" altLang="ko-KR" sz="1100" dirty="0"/>
+          </a:p>
+          <a:p>
+            <a:pPr algn="ctr"/>
+            <a:r>
+              <a:rPr lang="en-US" altLang="ko-KR" sz="1100" dirty="0" err="1"/>
+              <a:t>conda</a:t>
+            </a:r>
+            <a:r>
+              <a:rPr lang="en-US" altLang="ko-KR" sz="1100" dirty="0"/>
+              <a:t> active </a:t>
+            </a:r>
+            <a:r>
+              <a:rPr lang="ko-KR" altLang="en-US" sz="1100" dirty="0"/>
+              <a:t>후 </a:t>
+            </a:r>
+            <a:r>
+              <a:rPr lang="en-US" altLang="ko-KR" sz="1100" dirty="0" err="1"/>
+              <a:t>conda</a:t>
+            </a:r>
+            <a:r>
+              <a:rPr lang="en-US" altLang="ko-KR" sz="1100" dirty="0"/>
+              <a:t> list</a:t>
+            </a:r>
+            <a:r>
+              <a:rPr lang="ko-KR" altLang="en-US" sz="1100" dirty="0"/>
+              <a:t>로</a:t>
+            </a:r>
+            <a:endParaRPr lang="en-US" altLang="ko-KR" sz="1100" dirty="0"/>
+          </a:p>
+          <a:p>
+            <a:pPr algn="ctr"/>
+            <a:r>
+              <a:rPr lang="ko-KR" altLang="en-US" sz="1100" dirty="0"/>
+              <a:t>패키지 목록을 출력한 모습입니다</a:t>
+            </a:r>
+            <a:r>
+              <a:rPr lang="en-US" altLang="ko-KR" sz="1100" dirty="0"/>
+              <a:t>.</a:t>
+            </a:r>
+          </a:p>
+        </p:txBody>
+      </p:sp>
+      <p:pic>
+        <p:nvPicPr>
+          <p:cNvPr id="2" name="그림 1">
+            <a:extLst>
+              <a:ext uri="{FF2B5EF4-FFF2-40B4-BE49-F238E27FC236}">
+                <a16:creationId xmlns:a16="http://schemas.microsoft.com/office/drawing/2014/main" id="{DFB58EA5-E4FB-E540-A067-549FF7727BF7}"/>
+              </a:ext>
+            </a:extLst>
+          </p:cNvPr>
+          <p:cNvPicPr>
+            <a:picLocks noChangeAspect="1"/>
+          </p:cNvPicPr>
+          <p:nvPr/>
+        </p:nvPicPr>
+        <p:blipFill>
+          <a:blip r:embed="rId2"/>
+          <a:stretch>
+            <a:fillRect/>
+          </a:stretch>
+        </p:blipFill>
+        <p:spPr>
+          <a:xfrm>
+            <a:off x="3826858" y="1363231"/>
+            <a:ext cx="4538284" cy="3878494"/>
+          </a:xfrm>
+          <a:prstGeom prst="rect">
+            <a:avLst/>
+          </a:prstGeom>
+        </p:spPr>
+      </p:pic>
     </p:spTree>
     <p:extLst>
       <p:ext uri="{BB962C8B-B14F-4D97-AF65-F5344CB8AC3E}">
-        <p14:creationId xmlns:p14="http://schemas.microsoft.com/office/powerpoint/2010/main" val="1066393970"/>
+        <p14:creationId xmlns:p14="http://schemas.microsoft.com/office/powerpoint/2010/main" val="1692483493"/>
+      </p:ext>
+    </p:extLst>
+  </p:cSld>
+  <p:clrMapOvr>
+    <a:masterClrMapping/>
+  </p:clrMapOvr>
+</p:sld>
+</file>
+
+<file path=ppt/slides/slide8.xml><?xml version="1.0" encoding="utf-8"?>
+<p:sld xmlns:a="http://schemas.openxmlformats.org/drawingml/2006/main" xmlns:r="http://schemas.openxmlformats.org/officeDocument/2006/relationships" xmlns:p="http://schemas.openxmlformats.org/presentationml/2006/main">
+  <p:cSld>
+    <p:spTree>
+      <p:nvGrpSpPr>
+        <p:cNvPr id="1" name=""/>
+        <p:cNvGrpSpPr/>
+        <p:nvPr/>
+      </p:nvGrpSpPr>
+      <p:grpSpPr>
+        <a:xfrm>
+          <a:off x="0" y="0"/>
+          <a:ext cx="0" cy="0"/>
+          <a:chOff x="0" y="0"/>
+          <a:chExt cx="0" cy="0"/>
+        </a:xfrm>
+      </p:grpSpPr>
+      <p:sp>
+        <p:nvSpPr>
+          <p:cNvPr id="37" name="직사각형 36">
+            <a:extLst>
+              <a:ext uri="{FF2B5EF4-FFF2-40B4-BE49-F238E27FC236}">
+                <a16:creationId xmlns:a16="http://schemas.microsoft.com/office/drawing/2014/main" id="{3F15C60C-17FE-422D-AFCF-73C75A021362}"/>
+              </a:ext>
+            </a:extLst>
+          </p:cNvPr>
+          <p:cNvSpPr/>
+          <p:nvPr/>
+        </p:nvSpPr>
+        <p:spPr>
+          <a:xfrm>
+            <a:off x="3697172" y="332194"/>
+            <a:ext cx="4713765" cy="735842"/>
+          </a:xfrm>
+          <a:prstGeom prst="rect">
+            <a:avLst/>
+          </a:prstGeom>
+        </p:spPr>
+        <p:txBody>
+          <a:bodyPr wrap="square">
+            <a:spAutoFit/>
+          </a:bodyPr>
+          <a:lstStyle/>
+          <a:p>
+            <a:pPr algn="ctr" latinLnBrk="0">
+              <a:lnSpc>
+                <a:spcPct val="150000"/>
+              </a:lnSpc>
+              <a:defRPr/>
+            </a:pPr>
+            <a:r>
+              <a:rPr lang="en-US" altLang="ko-KR" sz="3200" b="1" i="1" kern="0" dirty="0">
+                <a:solidFill>
+                  <a:srgbClr val="FF7876"/>
+                </a:solidFill>
+              </a:rPr>
+              <a:t>1</a:t>
+            </a:r>
+          </a:p>
+        </p:txBody>
+      </p:sp>
+      <p:cxnSp>
+        <p:nvCxnSpPr>
+          <p:cNvPr id="38" name="직선 연결선 37">
+            <a:extLst>
+              <a:ext uri="{FF2B5EF4-FFF2-40B4-BE49-F238E27FC236}">
+                <a16:creationId xmlns:a16="http://schemas.microsoft.com/office/drawing/2014/main" id="{940134F4-F272-426A-B50B-8075427DF501}"/>
+              </a:ext>
+            </a:extLst>
+          </p:cNvPr>
+          <p:cNvCxnSpPr>
+            <a:cxnSpLocks/>
+          </p:cNvCxnSpPr>
+          <p:nvPr/>
+        </p:nvCxnSpPr>
+        <p:spPr>
+          <a:xfrm flipV="1">
+            <a:off x="843148" y="847712"/>
+            <a:ext cx="4769087" cy="1"/>
+          </a:xfrm>
+          <a:prstGeom prst="line">
+            <a:avLst/>
+          </a:prstGeom>
+          <a:ln w="6350">
+            <a:solidFill>
+              <a:srgbClr val="FF7876"/>
+            </a:solidFill>
+            <a:prstDash val="sysDash"/>
+            <a:tailEnd type="oval"/>
+          </a:ln>
+        </p:spPr>
+        <p:style>
+          <a:lnRef idx="1">
+            <a:schemeClr val="accent1"/>
+          </a:lnRef>
+          <a:fillRef idx="0">
+            <a:schemeClr val="accent1"/>
+          </a:fillRef>
+          <a:effectRef idx="0">
+            <a:schemeClr val="accent1"/>
+          </a:effectRef>
+          <a:fontRef idx="minor">
+            <a:schemeClr val="tx1"/>
+          </a:fontRef>
+        </p:style>
+      </p:cxnSp>
+      <p:cxnSp>
+        <p:nvCxnSpPr>
+          <p:cNvPr id="39" name="직선 연결선 38">
+            <a:extLst>
+              <a:ext uri="{FF2B5EF4-FFF2-40B4-BE49-F238E27FC236}">
+                <a16:creationId xmlns:a16="http://schemas.microsoft.com/office/drawing/2014/main" id="{55EBD739-0979-4546-8E6B-9CA8052FC540}"/>
+              </a:ext>
+            </a:extLst>
+          </p:cNvPr>
+          <p:cNvCxnSpPr>
+            <a:cxnSpLocks/>
+          </p:cNvCxnSpPr>
+          <p:nvPr/>
+        </p:nvCxnSpPr>
+        <p:spPr>
+          <a:xfrm flipH="1">
+            <a:off x="6579767" y="847712"/>
+            <a:ext cx="4692810" cy="0"/>
+          </a:xfrm>
+          <a:prstGeom prst="line">
+            <a:avLst/>
+          </a:prstGeom>
+          <a:ln w="6350">
+            <a:solidFill>
+              <a:srgbClr val="FF7876"/>
+            </a:solidFill>
+            <a:prstDash val="sysDash"/>
+            <a:tailEnd type="oval"/>
+          </a:ln>
+        </p:spPr>
+        <p:style>
+          <a:lnRef idx="1">
+            <a:schemeClr val="accent1"/>
+          </a:lnRef>
+          <a:fillRef idx="0">
+            <a:schemeClr val="accent1"/>
+          </a:fillRef>
+          <a:effectRef idx="0">
+            <a:schemeClr val="accent1"/>
+          </a:effectRef>
+          <a:fontRef idx="minor">
+            <a:schemeClr val="tx1"/>
+          </a:fontRef>
+        </p:style>
+      </p:cxnSp>
+      <p:sp>
+        <p:nvSpPr>
+          <p:cNvPr id="8" name="TextBox 7">
+            <a:extLst>
+              <a:ext uri="{FF2B5EF4-FFF2-40B4-BE49-F238E27FC236}">
+                <a16:creationId xmlns:a16="http://schemas.microsoft.com/office/drawing/2014/main" id="{C18154B9-4F65-4277-8C17-63D9702FC25F}"/>
+              </a:ext>
+            </a:extLst>
+          </p:cNvPr>
+          <p:cNvSpPr txBox="1"/>
+          <p:nvPr/>
+        </p:nvSpPr>
+        <p:spPr>
+          <a:xfrm>
+            <a:off x="765146" y="963122"/>
+            <a:ext cx="10507430" cy="261610"/>
+          </a:xfrm>
+          <a:prstGeom prst="rect">
+            <a:avLst/>
+          </a:prstGeom>
+          <a:noFill/>
+        </p:spPr>
+        <p:txBody>
+          <a:bodyPr wrap="square" rtlCol="0">
+            <a:spAutoFit/>
+          </a:bodyPr>
+          <a:lstStyle/>
+          <a:p>
+            <a:pPr algn="ctr"/>
+            <a:r>
+              <a:rPr lang="ko-KR" altLang="en-US" sz="1100" i="1" dirty="0">
+                <a:solidFill>
+                  <a:srgbClr val="FF7876"/>
+                </a:solidFill>
+              </a:rPr>
+              <a:t>아나콘다 설치</a:t>
+            </a:r>
+            <a:endParaRPr lang="en-US" altLang="ko-KR" sz="1100" i="1" dirty="0">
+              <a:solidFill>
+                <a:srgbClr val="FF7876"/>
+              </a:solidFill>
+            </a:endParaRPr>
+          </a:p>
+        </p:txBody>
+      </p:sp>
+      <p:sp>
+        <p:nvSpPr>
+          <p:cNvPr id="29" name="TextBox 28">
+            <a:extLst>
+              <a:ext uri="{FF2B5EF4-FFF2-40B4-BE49-F238E27FC236}">
+                <a16:creationId xmlns:a16="http://schemas.microsoft.com/office/drawing/2014/main" id="{E3EE4462-0DA3-3E4F-824A-75CB5562CE34}"/>
+              </a:ext>
+            </a:extLst>
+          </p:cNvPr>
+          <p:cNvSpPr txBox="1"/>
+          <p:nvPr/>
+        </p:nvSpPr>
+        <p:spPr>
+          <a:xfrm>
+            <a:off x="2991540" y="5599036"/>
+            <a:ext cx="6125027" cy="600164"/>
+          </a:xfrm>
+          <a:prstGeom prst="rect">
+            <a:avLst/>
+          </a:prstGeom>
+          <a:noFill/>
+          <a:ln w="12700">
+            <a:solidFill>
+              <a:srgbClr val="FF7876"/>
+            </a:solidFill>
+          </a:ln>
+        </p:spPr>
+        <p:txBody>
+          <a:bodyPr wrap="square" rtlCol="0">
+            <a:spAutoFit/>
+          </a:bodyPr>
+          <a:lstStyle/>
+          <a:p>
+            <a:pPr algn="ctr"/>
+            <a:r>
+              <a:rPr lang="en-US" altLang="ko-KR" sz="1100" dirty="0"/>
+              <a:t>base</a:t>
+            </a:r>
+            <a:r>
+              <a:rPr lang="ko-KR" altLang="en-US" sz="1100" dirty="0"/>
+              <a:t> </a:t>
+            </a:r>
+            <a:r>
+              <a:rPr lang="ko-KR" altLang="en-US" sz="1100" dirty="0" err="1"/>
+              <a:t>가상환경을</a:t>
+            </a:r>
+            <a:r>
+              <a:rPr lang="ko-KR" altLang="en-US" sz="1100" dirty="0"/>
+              <a:t> 복제하여 </a:t>
+            </a:r>
+            <a:r>
+              <a:rPr lang="en-US" altLang="ko-KR" sz="1100" dirty="0"/>
+              <a:t>prog2</a:t>
+            </a:r>
+            <a:r>
+              <a:rPr lang="ko-KR" altLang="en-US" sz="1100" dirty="0" err="1"/>
+              <a:t>를</a:t>
+            </a:r>
+            <a:r>
+              <a:rPr lang="ko-KR" altLang="en-US" sz="1100" dirty="0"/>
+              <a:t> 생성한 모습입니다</a:t>
+            </a:r>
+            <a:r>
+              <a:rPr lang="en-US" altLang="ko-KR" sz="1100" dirty="0"/>
+              <a:t>.</a:t>
+            </a:r>
+          </a:p>
+          <a:p>
+            <a:pPr algn="ctr"/>
+            <a:r>
+              <a:rPr lang="en-US" altLang="ko-KR" sz="1100" dirty="0" err="1"/>
+              <a:t>conda</a:t>
+            </a:r>
+            <a:r>
+              <a:rPr lang="en-US" altLang="ko-KR" sz="1100" dirty="0"/>
+              <a:t> info –env</a:t>
+            </a:r>
+            <a:r>
+              <a:rPr lang="ko-KR" altLang="en-US" sz="1100" dirty="0"/>
+              <a:t>로 생성한 </a:t>
+            </a:r>
+            <a:r>
+              <a:rPr lang="ko-KR" altLang="en-US" sz="1100" dirty="0" err="1"/>
+              <a:t>콘다</a:t>
+            </a:r>
+            <a:r>
+              <a:rPr lang="ko-KR" altLang="en-US" sz="1100" dirty="0"/>
+              <a:t> 가상환경 목록을 출력한 모습입니다</a:t>
+            </a:r>
+            <a:r>
+              <a:rPr lang="en-US" altLang="ko-KR" sz="1100" dirty="0"/>
+              <a:t>.</a:t>
+            </a:r>
+          </a:p>
+          <a:p>
+            <a:pPr algn="ctr"/>
+            <a:r>
+              <a:rPr lang="ko-KR" altLang="en-US" sz="1100" dirty="0"/>
+              <a:t>생성한 </a:t>
+            </a:r>
+            <a:r>
+              <a:rPr lang="en-US" altLang="ko-KR" sz="1100" dirty="0"/>
+              <a:t>prog2</a:t>
+            </a:r>
+            <a:r>
+              <a:rPr lang="ko-KR" altLang="en-US" sz="1100" dirty="0"/>
+              <a:t>와 기본 </a:t>
+            </a:r>
+            <a:r>
+              <a:rPr lang="en-US" altLang="ko-KR" sz="1100" dirty="0"/>
+              <a:t>base</a:t>
+            </a:r>
+            <a:r>
+              <a:rPr lang="ko-KR" altLang="en-US" sz="1100" dirty="0"/>
+              <a:t> </a:t>
+            </a:r>
+            <a:r>
+              <a:rPr lang="ko-KR" altLang="en-US" sz="1100" dirty="0" err="1"/>
+              <a:t>가상환경이</a:t>
+            </a:r>
+            <a:r>
+              <a:rPr lang="ko-KR" altLang="en-US" sz="1100" dirty="0"/>
+              <a:t> </a:t>
+            </a:r>
+            <a:r>
+              <a:rPr lang="ko-KR" altLang="en-US" sz="1100" dirty="0" err="1"/>
+              <a:t>있는것을</a:t>
+            </a:r>
+            <a:r>
+              <a:rPr lang="ko-KR" altLang="en-US" sz="1100" dirty="0"/>
+              <a:t> 확인할 수 있습니다</a:t>
+            </a:r>
+            <a:r>
+              <a:rPr lang="en-US" altLang="ko-KR" sz="1100" dirty="0"/>
+              <a:t>.</a:t>
+            </a:r>
+          </a:p>
+        </p:txBody>
+      </p:sp>
+      <p:pic>
+        <p:nvPicPr>
+          <p:cNvPr id="3" name="그림 2">
+            <a:extLst>
+              <a:ext uri="{FF2B5EF4-FFF2-40B4-BE49-F238E27FC236}">
+                <a16:creationId xmlns:a16="http://schemas.microsoft.com/office/drawing/2014/main" id="{8DA5477F-3B21-1C4B-A275-DCA2FAE451AB}"/>
+              </a:ext>
+            </a:extLst>
+          </p:cNvPr>
+          <p:cNvPicPr>
+            <a:picLocks noChangeAspect="1"/>
+          </p:cNvPicPr>
+          <p:nvPr/>
+        </p:nvPicPr>
+        <p:blipFill>
+          <a:blip r:embed="rId2"/>
+          <a:stretch>
+            <a:fillRect/>
+          </a:stretch>
+        </p:blipFill>
+        <p:spPr>
+          <a:xfrm>
+            <a:off x="3701478" y="1315471"/>
+            <a:ext cx="4925365" cy="4192826"/>
+          </a:xfrm>
+          <a:prstGeom prst="rect">
+            <a:avLst/>
+          </a:prstGeom>
+        </p:spPr>
+      </p:pic>
+    </p:spTree>
+    <p:extLst>
+      <p:ext uri="{BB962C8B-B14F-4D97-AF65-F5344CB8AC3E}">
+        <p14:creationId xmlns:p14="http://schemas.microsoft.com/office/powerpoint/2010/main" val="500138104"/>
+      </p:ext>
+    </p:extLst>
+  </p:cSld>
+  <p:clrMapOvr>
+    <a:masterClrMapping/>
+  </p:clrMapOvr>
+</p:sld>
+</file>
+
+<file path=ppt/slides/slide9.xml><?xml version="1.0" encoding="utf-8"?>
+<p:sld xmlns:a="http://schemas.openxmlformats.org/drawingml/2006/main" xmlns:r="http://schemas.openxmlformats.org/officeDocument/2006/relationships" xmlns:p="http://schemas.openxmlformats.org/presentationml/2006/main">
+  <p:cSld>
+    <p:spTree>
+      <p:nvGrpSpPr>
+        <p:cNvPr id="1" name=""/>
+        <p:cNvGrpSpPr/>
+        <p:nvPr/>
+      </p:nvGrpSpPr>
+      <p:grpSpPr>
+        <a:xfrm>
+          <a:off x="0" y="0"/>
+          <a:ext cx="0" cy="0"/>
+          <a:chOff x="0" y="0"/>
+          <a:chExt cx="0" cy="0"/>
+        </a:xfrm>
+      </p:grpSpPr>
+      <p:sp>
+        <p:nvSpPr>
+          <p:cNvPr id="37" name="직사각형 36">
+            <a:extLst>
+              <a:ext uri="{FF2B5EF4-FFF2-40B4-BE49-F238E27FC236}">
+                <a16:creationId xmlns:a16="http://schemas.microsoft.com/office/drawing/2014/main" id="{3F15C60C-17FE-422D-AFCF-73C75A021362}"/>
+              </a:ext>
+            </a:extLst>
+          </p:cNvPr>
+          <p:cNvSpPr/>
+          <p:nvPr/>
+        </p:nvSpPr>
+        <p:spPr>
+          <a:xfrm>
+            <a:off x="3697172" y="332194"/>
+            <a:ext cx="4713765" cy="735842"/>
+          </a:xfrm>
+          <a:prstGeom prst="rect">
+            <a:avLst/>
+          </a:prstGeom>
+        </p:spPr>
+        <p:txBody>
+          <a:bodyPr wrap="square">
+            <a:spAutoFit/>
+          </a:bodyPr>
+          <a:lstStyle/>
+          <a:p>
+            <a:pPr algn="ctr" latinLnBrk="0">
+              <a:lnSpc>
+                <a:spcPct val="150000"/>
+              </a:lnSpc>
+              <a:defRPr/>
+            </a:pPr>
+            <a:r>
+              <a:rPr lang="en-US" altLang="ko-KR" sz="3200" b="1" i="1" kern="0" dirty="0">
+                <a:solidFill>
+                  <a:srgbClr val="FF7876"/>
+                </a:solidFill>
+              </a:rPr>
+              <a:t>2</a:t>
+            </a:r>
+          </a:p>
+        </p:txBody>
+      </p:sp>
+      <p:cxnSp>
+        <p:nvCxnSpPr>
+          <p:cNvPr id="38" name="직선 연결선 37">
+            <a:extLst>
+              <a:ext uri="{FF2B5EF4-FFF2-40B4-BE49-F238E27FC236}">
+                <a16:creationId xmlns:a16="http://schemas.microsoft.com/office/drawing/2014/main" id="{940134F4-F272-426A-B50B-8075427DF501}"/>
+              </a:ext>
+            </a:extLst>
+          </p:cNvPr>
+          <p:cNvCxnSpPr>
+            <a:cxnSpLocks/>
+          </p:cNvCxnSpPr>
+          <p:nvPr/>
+        </p:nvCxnSpPr>
+        <p:spPr>
+          <a:xfrm flipV="1">
+            <a:off x="843148" y="847712"/>
+            <a:ext cx="4769087" cy="1"/>
+          </a:xfrm>
+          <a:prstGeom prst="line">
+            <a:avLst/>
+          </a:prstGeom>
+          <a:ln w="6350">
+            <a:solidFill>
+              <a:srgbClr val="FF7876"/>
+            </a:solidFill>
+            <a:prstDash val="sysDash"/>
+            <a:tailEnd type="oval"/>
+          </a:ln>
+        </p:spPr>
+        <p:style>
+          <a:lnRef idx="1">
+            <a:schemeClr val="accent1"/>
+          </a:lnRef>
+          <a:fillRef idx="0">
+            <a:schemeClr val="accent1"/>
+          </a:fillRef>
+          <a:effectRef idx="0">
+            <a:schemeClr val="accent1"/>
+          </a:effectRef>
+          <a:fontRef idx="minor">
+            <a:schemeClr val="tx1"/>
+          </a:fontRef>
+        </p:style>
+      </p:cxnSp>
+      <p:cxnSp>
+        <p:nvCxnSpPr>
+          <p:cNvPr id="39" name="직선 연결선 38">
+            <a:extLst>
+              <a:ext uri="{FF2B5EF4-FFF2-40B4-BE49-F238E27FC236}">
+                <a16:creationId xmlns:a16="http://schemas.microsoft.com/office/drawing/2014/main" id="{55EBD739-0979-4546-8E6B-9CA8052FC540}"/>
+              </a:ext>
+            </a:extLst>
+          </p:cNvPr>
+          <p:cNvCxnSpPr>
+            <a:cxnSpLocks/>
+          </p:cNvCxnSpPr>
+          <p:nvPr/>
+        </p:nvCxnSpPr>
+        <p:spPr>
+          <a:xfrm flipH="1">
+            <a:off x="6579767" y="847712"/>
+            <a:ext cx="4692810" cy="0"/>
+          </a:xfrm>
+          <a:prstGeom prst="line">
+            <a:avLst/>
+          </a:prstGeom>
+          <a:ln w="6350">
+            <a:solidFill>
+              <a:srgbClr val="FF7876"/>
+            </a:solidFill>
+            <a:prstDash val="sysDash"/>
+            <a:tailEnd type="oval"/>
+          </a:ln>
+        </p:spPr>
+        <p:style>
+          <a:lnRef idx="1">
+            <a:schemeClr val="accent1"/>
+          </a:lnRef>
+          <a:fillRef idx="0">
+            <a:schemeClr val="accent1"/>
+          </a:fillRef>
+          <a:effectRef idx="0">
+            <a:schemeClr val="accent1"/>
+          </a:effectRef>
+          <a:fontRef idx="minor">
+            <a:schemeClr val="tx1"/>
+          </a:fontRef>
+        </p:style>
+      </p:cxnSp>
+      <p:sp>
+        <p:nvSpPr>
+          <p:cNvPr id="8" name="TextBox 7">
+            <a:extLst>
+              <a:ext uri="{FF2B5EF4-FFF2-40B4-BE49-F238E27FC236}">
+                <a16:creationId xmlns:a16="http://schemas.microsoft.com/office/drawing/2014/main" id="{C18154B9-4F65-4277-8C17-63D9702FC25F}"/>
+              </a:ext>
+            </a:extLst>
+          </p:cNvPr>
+          <p:cNvSpPr txBox="1"/>
+          <p:nvPr/>
+        </p:nvSpPr>
+        <p:spPr>
+          <a:xfrm>
+            <a:off x="765146" y="963122"/>
+            <a:ext cx="10507430" cy="261610"/>
+          </a:xfrm>
+          <a:prstGeom prst="rect">
+            <a:avLst/>
+          </a:prstGeom>
+          <a:noFill/>
+        </p:spPr>
+        <p:txBody>
+          <a:bodyPr wrap="square" rtlCol="0">
+            <a:spAutoFit/>
+          </a:bodyPr>
+          <a:lstStyle/>
+          <a:p>
+            <a:pPr algn="ctr"/>
+            <a:r>
+              <a:rPr lang="ko-KR" altLang="en-US" sz="1100" i="1" dirty="0">
+                <a:solidFill>
+                  <a:srgbClr val="FF7876"/>
+                </a:solidFill>
+              </a:rPr>
+              <a:t>주피터 설정 및 실행</a:t>
+            </a:r>
+            <a:endParaRPr lang="en-US" altLang="ko-KR" sz="1100" i="1" dirty="0">
+              <a:solidFill>
+                <a:srgbClr val="FF7876"/>
+              </a:solidFill>
+            </a:endParaRPr>
+          </a:p>
+        </p:txBody>
+      </p:sp>
+      <p:sp>
+        <p:nvSpPr>
+          <p:cNvPr id="29" name="TextBox 28">
+            <a:extLst>
+              <a:ext uri="{FF2B5EF4-FFF2-40B4-BE49-F238E27FC236}">
+                <a16:creationId xmlns:a16="http://schemas.microsoft.com/office/drawing/2014/main" id="{E3EE4462-0DA3-3E4F-824A-75CB5562CE34}"/>
+              </a:ext>
+            </a:extLst>
+          </p:cNvPr>
+          <p:cNvSpPr txBox="1"/>
+          <p:nvPr/>
+        </p:nvSpPr>
+        <p:spPr>
+          <a:xfrm>
+            <a:off x="2991540" y="5599036"/>
+            <a:ext cx="6125027" cy="769441"/>
+          </a:xfrm>
+          <a:prstGeom prst="rect">
+            <a:avLst/>
+          </a:prstGeom>
+          <a:noFill/>
+          <a:ln w="12700">
+            <a:solidFill>
+              <a:srgbClr val="FF7876"/>
+            </a:solidFill>
+          </a:ln>
+        </p:spPr>
+        <p:txBody>
+          <a:bodyPr wrap="square" rtlCol="0">
+            <a:spAutoFit/>
+          </a:bodyPr>
+          <a:lstStyle/>
+          <a:p>
+            <a:pPr algn="ctr"/>
+            <a:r>
+              <a:rPr lang="ko-KR" altLang="en-US" sz="1100" dirty="0"/>
+              <a:t>이제 가상환경 설정을 마치고 주피터 노트북을 실행할 준비를 합니다</a:t>
+            </a:r>
+            <a:r>
+              <a:rPr lang="en-US" altLang="ko-KR" sz="1100" dirty="0"/>
+              <a:t>.</a:t>
+            </a:r>
+          </a:p>
+          <a:p>
+            <a:pPr algn="ctr"/>
+            <a:r>
+              <a:rPr lang="ko-KR" altLang="en-US" sz="1100" dirty="0" err="1"/>
+              <a:t>실행전</a:t>
+            </a:r>
+            <a:r>
+              <a:rPr lang="ko-KR" altLang="en-US" sz="1100" dirty="0"/>
+              <a:t> 주피터 노트북의 디폴트 디렉토리를 </a:t>
+            </a:r>
+            <a:r>
+              <a:rPr lang="ko-KR" altLang="en-US" sz="1100" dirty="0" err="1"/>
+              <a:t>변경해주기</a:t>
+            </a:r>
+            <a:r>
+              <a:rPr lang="ko-KR" altLang="en-US" sz="1100" dirty="0"/>
+              <a:t> 위해서</a:t>
+            </a:r>
+            <a:endParaRPr lang="en-US" altLang="ko-KR" sz="1100" dirty="0"/>
+          </a:p>
+          <a:p>
+            <a:pPr algn="ctr"/>
+            <a:r>
+              <a:rPr lang="en-US" altLang="ko-KR" sz="1100" dirty="0" err="1"/>
+              <a:t>jupyter</a:t>
+            </a:r>
+            <a:r>
+              <a:rPr lang="en-US" altLang="ko-KR" sz="1100" dirty="0"/>
+              <a:t> notebook –generate-config</a:t>
+            </a:r>
+            <a:r>
+              <a:rPr lang="ko-KR" altLang="en-US" sz="1100" dirty="0" err="1"/>
+              <a:t>를</a:t>
+            </a:r>
+            <a:r>
+              <a:rPr lang="ko-KR" altLang="en-US" sz="1100" dirty="0"/>
+              <a:t> 통해 설정파일을 생성해 준 후</a:t>
+            </a:r>
+            <a:r>
+              <a:rPr lang="en-US" altLang="ko-KR" sz="1100" dirty="0"/>
+              <a:t>,</a:t>
+            </a:r>
+          </a:p>
+          <a:p>
+            <a:pPr algn="ctr"/>
+            <a:r>
+              <a:rPr lang="ko-KR" altLang="en-US" sz="1100" dirty="0"/>
+              <a:t>안내된 경로에 들어가 생성된 설정파일을 확인합니다</a:t>
+            </a:r>
+            <a:r>
+              <a:rPr lang="en-US" altLang="ko-KR" sz="1100" dirty="0"/>
+              <a:t>.</a:t>
+            </a:r>
+          </a:p>
+        </p:txBody>
+      </p:sp>
+      <p:pic>
+        <p:nvPicPr>
+          <p:cNvPr id="2" name="그림 1">
+            <a:extLst>
+              <a:ext uri="{FF2B5EF4-FFF2-40B4-BE49-F238E27FC236}">
+                <a16:creationId xmlns:a16="http://schemas.microsoft.com/office/drawing/2014/main" id="{E765818B-D606-7D44-810E-EACAB80DE320}"/>
+              </a:ext>
+            </a:extLst>
+          </p:cNvPr>
+          <p:cNvPicPr>
+            <a:picLocks noChangeAspect="1"/>
+          </p:cNvPicPr>
+          <p:nvPr/>
+        </p:nvPicPr>
+        <p:blipFill>
+          <a:blip r:embed="rId2"/>
+          <a:stretch>
+            <a:fillRect/>
+          </a:stretch>
+        </p:blipFill>
+        <p:spPr>
+          <a:xfrm>
+            <a:off x="1199478" y="1340777"/>
+            <a:ext cx="4896522" cy="4176445"/>
+          </a:xfrm>
+          <a:prstGeom prst="rect">
+            <a:avLst/>
+          </a:prstGeom>
+        </p:spPr>
+      </p:pic>
+      <p:pic>
+        <p:nvPicPr>
+          <p:cNvPr id="4" name="그림 3">
+            <a:extLst>
+              <a:ext uri="{FF2B5EF4-FFF2-40B4-BE49-F238E27FC236}">
+                <a16:creationId xmlns:a16="http://schemas.microsoft.com/office/drawing/2014/main" id="{DFDE6196-C127-FC43-A6E9-6A405E03FB1C}"/>
+              </a:ext>
+            </a:extLst>
+          </p:cNvPr>
+          <p:cNvPicPr>
+            <a:picLocks noChangeAspect="1"/>
+          </p:cNvPicPr>
+          <p:nvPr/>
+        </p:nvPicPr>
+        <p:blipFill>
+          <a:blip r:embed="rId3"/>
+          <a:stretch>
+            <a:fillRect/>
+          </a:stretch>
+        </p:blipFill>
+        <p:spPr>
+          <a:xfrm>
+            <a:off x="6382797" y="1817161"/>
+            <a:ext cx="4680692" cy="2493979"/>
+          </a:xfrm>
+          <a:prstGeom prst="rect">
+            <a:avLst/>
+          </a:prstGeom>
+        </p:spPr>
+      </p:pic>
+    </p:spTree>
+    <p:extLst>
+      <p:ext uri="{BB962C8B-B14F-4D97-AF65-F5344CB8AC3E}">
+        <p14:creationId xmlns:p14="http://schemas.microsoft.com/office/powerpoint/2010/main" val="3036510115"/>
       </p:ext>
     </p:extLst>
   </p:cSld>

--- a/2장/20164091-송희령-2주차 과제.pptx
+++ b/2장/20164091-송희령-2주차 과제.pptx
@@ -16,7 +16,9 @@
     <p:sldId id="374" r:id="rId10"/>
     <p:sldId id="375" r:id="rId11"/>
     <p:sldId id="376" r:id="rId12"/>
-    <p:sldId id="258" r:id="rId13"/>
+    <p:sldId id="377" r:id="rId13"/>
+    <p:sldId id="378" r:id="rId14"/>
+    <p:sldId id="258" r:id="rId15"/>
   </p:sldIdLst>
   <p:sldSz cx="12192000" cy="6858000"/>
   <p:notesSz cx="6858000" cy="9144000"/>
@@ -4760,12 +4762,8 @@
           <a:p>
             <a:pPr algn="ctr"/>
             <a:r>
-              <a:rPr lang="ko-KR" altLang="en-US" sz="1100" dirty="0" err="1"/>
-              <a:t>표현된것을</a:t>
-            </a:r>
-            <a:r>
               <a:rPr lang="ko-KR" altLang="en-US" sz="1100" dirty="0"/>
-              <a:t> 볼 수 있습니다</a:t>
+              <a:t>표현된 것과 함께 정상 실행된 것을 볼 수 있습니다</a:t>
             </a:r>
             <a:r>
               <a:rPr lang="en-US" altLang="ko-KR" sz="1100" dirty="0"/>
@@ -4878,6 +4876,807 @@
 </file>
 
 <file path=ppt/slides/slide12.xml><?xml version="1.0" encoding="utf-8"?>
+<p:sld xmlns:a="http://schemas.openxmlformats.org/drawingml/2006/main" xmlns:r="http://schemas.openxmlformats.org/officeDocument/2006/relationships" xmlns:p="http://schemas.openxmlformats.org/presentationml/2006/main">
+  <p:cSld>
+    <p:spTree>
+      <p:nvGrpSpPr>
+        <p:cNvPr id="1" name=""/>
+        <p:cNvGrpSpPr/>
+        <p:nvPr/>
+      </p:nvGrpSpPr>
+      <p:grpSpPr>
+        <a:xfrm>
+          <a:off x="0" y="0"/>
+          <a:ext cx="0" cy="0"/>
+          <a:chOff x="0" y="0"/>
+          <a:chExt cx="0" cy="0"/>
+        </a:xfrm>
+      </p:grpSpPr>
+      <p:sp>
+        <p:nvSpPr>
+          <p:cNvPr id="37" name="직사각형 36">
+            <a:extLst>
+              <a:ext uri="{FF2B5EF4-FFF2-40B4-BE49-F238E27FC236}">
+                <a16:creationId xmlns:a16="http://schemas.microsoft.com/office/drawing/2014/main" id="{3F15C60C-17FE-422D-AFCF-73C75A021362}"/>
+              </a:ext>
+            </a:extLst>
+          </p:cNvPr>
+          <p:cNvSpPr/>
+          <p:nvPr/>
+        </p:nvSpPr>
+        <p:spPr>
+          <a:xfrm>
+            <a:off x="3697172" y="332194"/>
+            <a:ext cx="4713765" cy="735842"/>
+          </a:xfrm>
+          <a:prstGeom prst="rect">
+            <a:avLst/>
+          </a:prstGeom>
+        </p:spPr>
+        <p:txBody>
+          <a:bodyPr wrap="square">
+            <a:spAutoFit/>
+          </a:bodyPr>
+          <a:lstStyle/>
+          <a:p>
+            <a:pPr algn="ctr" latinLnBrk="0">
+              <a:lnSpc>
+                <a:spcPct val="150000"/>
+              </a:lnSpc>
+              <a:defRPr/>
+            </a:pPr>
+            <a:r>
+              <a:rPr lang="en-US" altLang="ko-KR" sz="3200" b="1" i="1" kern="0" dirty="0">
+                <a:solidFill>
+                  <a:srgbClr val="FF7876"/>
+                </a:solidFill>
+              </a:rPr>
+              <a:t>3</a:t>
+            </a:r>
+          </a:p>
+        </p:txBody>
+      </p:sp>
+      <p:cxnSp>
+        <p:nvCxnSpPr>
+          <p:cNvPr id="38" name="직선 연결선 37">
+            <a:extLst>
+              <a:ext uri="{FF2B5EF4-FFF2-40B4-BE49-F238E27FC236}">
+                <a16:creationId xmlns:a16="http://schemas.microsoft.com/office/drawing/2014/main" id="{940134F4-F272-426A-B50B-8075427DF501}"/>
+              </a:ext>
+            </a:extLst>
+          </p:cNvPr>
+          <p:cNvCxnSpPr>
+            <a:cxnSpLocks/>
+          </p:cNvCxnSpPr>
+          <p:nvPr/>
+        </p:nvCxnSpPr>
+        <p:spPr>
+          <a:xfrm flipV="1">
+            <a:off x="843148" y="847712"/>
+            <a:ext cx="4769087" cy="1"/>
+          </a:xfrm>
+          <a:prstGeom prst="line">
+            <a:avLst/>
+          </a:prstGeom>
+          <a:ln w="6350">
+            <a:solidFill>
+              <a:srgbClr val="FF7876"/>
+            </a:solidFill>
+            <a:prstDash val="sysDash"/>
+            <a:tailEnd type="oval"/>
+          </a:ln>
+        </p:spPr>
+        <p:style>
+          <a:lnRef idx="1">
+            <a:schemeClr val="accent1"/>
+          </a:lnRef>
+          <a:fillRef idx="0">
+            <a:schemeClr val="accent1"/>
+          </a:fillRef>
+          <a:effectRef idx="0">
+            <a:schemeClr val="accent1"/>
+          </a:effectRef>
+          <a:fontRef idx="minor">
+            <a:schemeClr val="tx1"/>
+          </a:fontRef>
+        </p:style>
+      </p:cxnSp>
+      <p:cxnSp>
+        <p:nvCxnSpPr>
+          <p:cNvPr id="39" name="직선 연결선 38">
+            <a:extLst>
+              <a:ext uri="{FF2B5EF4-FFF2-40B4-BE49-F238E27FC236}">
+                <a16:creationId xmlns:a16="http://schemas.microsoft.com/office/drawing/2014/main" id="{55EBD739-0979-4546-8E6B-9CA8052FC540}"/>
+              </a:ext>
+            </a:extLst>
+          </p:cNvPr>
+          <p:cNvCxnSpPr>
+            <a:cxnSpLocks/>
+          </p:cNvCxnSpPr>
+          <p:nvPr/>
+        </p:nvCxnSpPr>
+        <p:spPr>
+          <a:xfrm flipH="1">
+            <a:off x="6579767" y="847712"/>
+            <a:ext cx="4692810" cy="0"/>
+          </a:xfrm>
+          <a:prstGeom prst="line">
+            <a:avLst/>
+          </a:prstGeom>
+          <a:ln w="6350">
+            <a:solidFill>
+              <a:srgbClr val="FF7876"/>
+            </a:solidFill>
+            <a:prstDash val="sysDash"/>
+            <a:tailEnd type="oval"/>
+          </a:ln>
+        </p:spPr>
+        <p:style>
+          <a:lnRef idx="1">
+            <a:schemeClr val="accent1"/>
+          </a:lnRef>
+          <a:fillRef idx="0">
+            <a:schemeClr val="accent1"/>
+          </a:fillRef>
+          <a:effectRef idx="0">
+            <a:schemeClr val="accent1"/>
+          </a:effectRef>
+          <a:fontRef idx="minor">
+            <a:schemeClr val="tx1"/>
+          </a:fontRef>
+        </p:style>
+      </p:cxnSp>
+      <p:sp>
+        <p:nvSpPr>
+          <p:cNvPr id="8" name="TextBox 7">
+            <a:extLst>
+              <a:ext uri="{FF2B5EF4-FFF2-40B4-BE49-F238E27FC236}">
+                <a16:creationId xmlns:a16="http://schemas.microsoft.com/office/drawing/2014/main" id="{C18154B9-4F65-4277-8C17-63D9702FC25F}"/>
+              </a:ext>
+            </a:extLst>
+          </p:cNvPr>
+          <p:cNvSpPr txBox="1"/>
+          <p:nvPr/>
+        </p:nvSpPr>
+        <p:spPr>
+          <a:xfrm>
+            <a:off x="765146" y="963122"/>
+            <a:ext cx="10507430" cy="261610"/>
+          </a:xfrm>
+          <a:prstGeom prst="rect">
+            <a:avLst/>
+          </a:prstGeom>
+          <a:noFill/>
+        </p:spPr>
+        <p:txBody>
+          <a:bodyPr wrap="square" rtlCol="0">
+            <a:spAutoFit/>
+          </a:bodyPr>
+          <a:lstStyle/>
+          <a:p>
+            <a:pPr algn="ctr"/>
+            <a:r>
+              <a:rPr lang="ko-KR" altLang="en-US" sz="1100" i="1" dirty="0">
+                <a:solidFill>
+                  <a:srgbClr val="FF7876"/>
+                </a:solidFill>
+              </a:rPr>
+              <a:t>주피터 예제 프로그램 실행</a:t>
+            </a:r>
+            <a:endParaRPr lang="en-US" altLang="ko-KR" sz="1100" i="1" dirty="0">
+              <a:solidFill>
+                <a:srgbClr val="FF7876"/>
+              </a:solidFill>
+            </a:endParaRPr>
+          </a:p>
+        </p:txBody>
+      </p:sp>
+      <p:sp>
+        <p:nvSpPr>
+          <p:cNvPr id="29" name="TextBox 28">
+            <a:extLst>
+              <a:ext uri="{FF2B5EF4-FFF2-40B4-BE49-F238E27FC236}">
+                <a16:creationId xmlns:a16="http://schemas.microsoft.com/office/drawing/2014/main" id="{E3EE4462-0DA3-3E4F-824A-75CB5562CE34}"/>
+              </a:ext>
+            </a:extLst>
+          </p:cNvPr>
+          <p:cNvSpPr txBox="1"/>
+          <p:nvPr/>
+        </p:nvSpPr>
+        <p:spPr>
+          <a:xfrm>
+            <a:off x="2991540" y="5599036"/>
+            <a:ext cx="6125027" cy="600164"/>
+          </a:xfrm>
+          <a:prstGeom prst="rect">
+            <a:avLst/>
+          </a:prstGeom>
+          <a:noFill/>
+          <a:ln w="12700">
+            <a:solidFill>
+              <a:srgbClr val="FF7876"/>
+            </a:solidFill>
+          </a:ln>
+        </p:spPr>
+        <p:txBody>
+          <a:bodyPr wrap="square" rtlCol="0">
+            <a:spAutoFit/>
+          </a:bodyPr>
+          <a:lstStyle/>
+          <a:p>
+            <a:pPr algn="ctr"/>
+            <a:r>
+              <a:rPr lang="ko-KR" altLang="en-US" sz="1100" dirty="0"/>
+              <a:t>예제 </a:t>
+            </a:r>
+            <a:r>
+              <a:rPr lang="ko-KR" altLang="en-US" sz="1100" dirty="0" err="1"/>
+              <a:t>마크다운</a:t>
+            </a:r>
+            <a:r>
+              <a:rPr lang="ko-KR" altLang="en-US" sz="1100" dirty="0"/>
+              <a:t> 문구와 함께 </a:t>
+            </a:r>
+            <a:r>
+              <a:rPr lang="ko-KR" altLang="en-US" sz="1100" dirty="0" err="1"/>
+              <a:t>파이썬</a:t>
+            </a:r>
+            <a:r>
+              <a:rPr lang="ko-KR" altLang="en-US" sz="1100" dirty="0"/>
+              <a:t> 코드를 같이 입력해 준 모습입니다</a:t>
+            </a:r>
+            <a:r>
+              <a:rPr lang="en-US" altLang="ko-KR" sz="1100" dirty="0"/>
+              <a:t>.</a:t>
+            </a:r>
+          </a:p>
+          <a:p>
+            <a:pPr algn="ctr"/>
+            <a:r>
+              <a:rPr lang="ko-KR" altLang="en-US" sz="1100" dirty="0"/>
+              <a:t>실행 역시 정상 </a:t>
+            </a:r>
+            <a:r>
+              <a:rPr lang="ko-KR" altLang="en-US" sz="1100" dirty="0" err="1"/>
+              <a:t>작동되는것을</a:t>
+            </a:r>
+            <a:r>
+              <a:rPr lang="ko-KR" altLang="en-US" sz="1100" dirty="0"/>
+              <a:t> 볼 수 있고</a:t>
+            </a:r>
+            <a:endParaRPr lang="en-US" altLang="ko-KR" sz="1100" dirty="0"/>
+          </a:p>
+          <a:p>
+            <a:pPr algn="ctr"/>
+            <a:r>
+              <a:rPr lang="ko-KR" altLang="en-US" sz="1100" dirty="0"/>
+              <a:t>설정한 디렉토리에 파일이 저장된 것을 볼 수 있습니다</a:t>
+            </a:r>
+            <a:r>
+              <a:rPr lang="en-US" altLang="ko-KR" sz="1100" dirty="0"/>
+              <a:t>.</a:t>
+            </a:r>
+          </a:p>
+        </p:txBody>
+      </p:sp>
+      <p:pic>
+        <p:nvPicPr>
+          <p:cNvPr id="5" name="그림 4">
+            <a:extLst>
+              <a:ext uri="{FF2B5EF4-FFF2-40B4-BE49-F238E27FC236}">
+                <a16:creationId xmlns:a16="http://schemas.microsoft.com/office/drawing/2014/main" id="{8CC13518-C370-AE41-B6C8-7BB6CA8B30C9}"/>
+              </a:ext>
+            </a:extLst>
+          </p:cNvPr>
+          <p:cNvPicPr>
+            <a:picLocks noChangeAspect="1"/>
+          </p:cNvPicPr>
+          <p:nvPr/>
+        </p:nvPicPr>
+        <p:blipFill>
+          <a:blip r:embed="rId2"/>
+          <a:stretch>
+            <a:fillRect/>
+          </a:stretch>
+        </p:blipFill>
+        <p:spPr>
+          <a:xfrm>
+            <a:off x="0" y="1197377"/>
+            <a:ext cx="6321988" cy="4429014"/>
+          </a:xfrm>
+          <a:prstGeom prst="rect">
+            <a:avLst/>
+          </a:prstGeom>
+        </p:spPr>
+      </p:pic>
+      <p:pic>
+        <p:nvPicPr>
+          <p:cNvPr id="6" name="그림 5">
+            <a:extLst>
+              <a:ext uri="{FF2B5EF4-FFF2-40B4-BE49-F238E27FC236}">
+                <a16:creationId xmlns:a16="http://schemas.microsoft.com/office/drawing/2014/main" id="{67530C3F-69F3-C242-851A-628A543A1132}"/>
+              </a:ext>
+            </a:extLst>
+          </p:cNvPr>
+          <p:cNvPicPr>
+            <a:picLocks noChangeAspect="1"/>
+          </p:cNvPicPr>
+          <p:nvPr/>
+        </p:nvPicPr>
+        <p:blipFill>
+          <a:blip r:embed="rId3"/>
+          <a:stretch>
+            <a:fillRect/>
+          </a:stretch>
+        </p:blipFill>
+        <p:spPr>
+          <a:xfrm>
+            <a:off x="5934811" y="1617591"/>
+            <a:ext cx="6363512" cy="3724381"/>
+          </a:xfrm>
+          <a:prstGeom prst="rect">
+            <a:avLst/>
+          </a:prstGeom>
+        </p:spPr>
+      </p:pic>
+    </p:spTree>
+    <p:extLst>
+      <p:ext uri="{BB962C8B-B14F-4D97-AF65-F5344CB8AC3E}">
+        <p14:creationId xmlns:p14="http://schemas.microsoft.com/office/powerpoint/2010/main" val="4228513083"/>
+      </p:ext>
+    </p:extLst>
+  </p:cSld>
+  <p:clrMapOvr>
+    <a:masterClrMapping/>
+  </p:clrMapOvr>
+</p:sld>
+</file>
+
+<file path=ppt/slides/slide13.xml><?xml version="1.0" encoding="utf-8"?>
+<p:sld xmlns:a="http://schemas.openxmlformats.org/drawingml/2006/main" xmlns:r="http://schemas.openxmlformats.org/officeDocument/2006/relationships" xmlns:p="http://schemas.openxmlformats.org/presentationml/2006/main">
+  <p:cSld>
+    <p:spTree>
+      <p:nvGrpSpPr>
+        <p:cNvPr id="1" name=""/>
+        <p:cNvGrpSpPr/>
+        <p:nvPr/>
+      </p:nvGrpSpPr>
+      <p:grpSpPr>
+        <a:xfrm>
+          <a:off x="0" y="0"/>
+          <a:ext cx="0" cy="0"/>
+          <a:chOff x="0" y="0"/>
+          <a:chExt cx="0" cy="0"/>
+        </a:xfrm>
+      </p:grpSpPr>
+      <p:sp>
+        <p:nvSpPr>
+          <p:cNvPr id="37" name="직사각형 36">
+            <a:extLst>
+              <a:ext uri="{FF2B5EF4-FFF2-40B4-BE49-F238E27FC236}">
+                <a16:creationId xmlns:a16="http://schemas.microsoft.com/office/drawing/2014/main" id="{3F15C60C-17FE-422D-AFCF-73C75A021362}"/>
+              </a:ext>
+            </a:extLst>
+          </p:cNvPr>
+          <p:cNvSpPr/>
+          <p:nvPr/>
+        </p:nvSpPr>
+        <p:spPr>
+          <a:xfrm>
+            <a:off x="3697172" y="332194"/>
+            <a:ext cx="4713765" cy="735842"/>
+          </a:xfrm>
+          <a:prstGeom prst="rect">
+            <a:avLst/>
+          </a:prstGeom>
+        </p:spPr>
+        <p:txBody>
+          <a:bodyPr wrap="square">
+            <a:spAutoFit/>
+          </a:bodyPr>
+          <a:lstStyle/>
+          <a:p>
+            <a:pPr algn="ctr" latinLnBrk="0">
+              <a:lnSpc>
+                <a:spcPct val="150000"/>
+              </a:lnSpc>
+              <a:defRPr/>
+            </a:pPr>
+            <a:r>
+              <a:rPr lang="en-US" altLang="ko-KR" sz="3200" b="1" i="1" kern="0" dirty="0">
+                <a:solidFill>
+                  <a:srgbClr val="FF7876"/>
+                </a:solidFill>
+              </a:rPr>
+              <a:t>3</a:t>
+            </a:r>
+          </a:p>
+        </p:txBody>
+      </p:sp>
+      <p:cxnSp>
+        <p:nvCxnSpPr>
+          <p:cNvPr id="38" name="직선 연결선 37">
+            <a:extLst>
+              <a:ext uri="{FF2B5EF4-FFF2-40B4-BE49-F238E27FC236}">
+                <a16:creationId xmlns:a16="http://schemas.microsoft.com/office/drawing/2014/main" id="{940134F4-F272-426A-B50B-8075427DF501}"/>
+              </a:ext>
+            </a:extLst>
+          </p:cNvPr>
+          <p:cNvCxnSpPr>
+            <a:cxnSpLocks/>
+          </p:cNvCxnSpPr>
+          <p:nvPr/>
+        </p:nvCxnSpPr>
+        <p:spPr>
+          <a:xfrm flipV="1">
+            <a:off x="843148" y="847712"/>
+            <a:ext cx="4769087" cy="1"/>
+          </a:xfrm>
+          <a:prstGeom prst="line">
+            <a:avLst/>
+          </a:prstGeom>
+          <a:ln w="6350">
+            <a:solidFill>
+              <a:srgbClr val="FF7876"/>
+            </a:solidFill>
+            <a:prstDash val="sysDash"/>
+            <a:tailEnd type="oval"/>
+          </a:ln>
+        </p:spPr>
+        <p:style>
+          <a:lnRef idx="1">
+            <a:schemeClr val="accent1"/>
+          </a:lnRef>
+          <a:fillRef idx="0">
+            <a:schemeClr val="accent1"/>
+          </a:fillRef>
+          <a:effectRef idx="0">
+            <a:schemeClr val="accent1"/>
+          </a:effectRef>
+          <a:fontRef idx="minor">
+            <a:schemeClr val="tx1"/>
+          </a:fontRef>
+        </p:style>
+      </p:cxnSp>
+      <p:cxnSp>
+        <p:nvCxnSpPr>
+          <p:cNvPr id="39" name="직선 연결선 38">
+            <a:extLst>
+              <a:ext uri="{FF2B5EF4-FFF2-40B4-BE49-F238E27FC236}">
+                <a16:creationId xmlns:a16="http://schemas.microsoft.com/office/drawing/2014/main" id="{55EBD739-0979-4546-8E6B-9CA8052FC540}"/>
+              </a:ext>
+            </a:extLst>
+          </p:cNvPr>
+          <p:cNvCxnSpPr>
+            <a:cxnSpLocks/>
+          </p:cNvCxnSpPr>
+          <p:nvPr/>
+        </p:nvCxnSpPr>
+        <p:spPr>
+          <a:xfrm flipH="1">
+            <a:off x="6579767" y="847712"/>
+            <a:ext cx="4692810" cy="0"/>
+          </a:xfrm>
+          <a:prstGeom prst="line">
+            <a:avLst/>
+          </a:prstGeom>
+          <a:ln w="6350">
+            <a:solidFill>
+              <a:srgbClr val="FF7876"/>
+            </a:solidFill>
+            <a:prstDash val="sysDash"/>
+            <a:tailEnd type="oval"/>
+          </a:ln>
+        </p:spPr>
+        <p:style>
+          <a:lnRef idx="1">
+            <a:schemeClr val="accent1"/>
+          </a:lnRef>
+          <a:fillRef idx="0">
+            <a:schemeClr val="accent1"/>
+          </a:fillRef>
+          <a:effectRef idx="0">
+            <a:schemeClr val="accent1"/>
+          </a:effectRef>
+          <a:fontRef idx="minor">
+            <a:schemeClr val="tx1"/>
+          </a:fontRef>
+        </p:style>
+      </p:cxnSp>
+      <p:sp>
+        <p:nvSpPr>
+          <p:cNvPr id="8" name="TextBox 7">
+            <a:extLst>
+              <a:ext uri="{FF2B5EF4-FFF2-40B4-BE49-F238E27FC236}">
+                <a16:creationId xmlns:a16="http://schemas.microsoft.com/office/drawing/2014/main" id="{C18154B9-4F65-4277-8C17-63D9702FC25F}"/>
+              </a:ext>
+            </a:extLst>
+          </p:cNvPr>
+          <p:cNvSpPr txBox="1"/>
+          <p:nvPr/>
+        </p:nvSpPr>
+        <p:spPr>
+          <a:xfrm>
+            <a:off x="765146" y="963122"/>
+            <a:ext cx="10507430" cy="261610"/>
+          </a:xfrm>
+          <a:prstGeom prst="rect">
+            <a:avLst/>
+          </a:prstGeom>
+          <a:noFill/>
+        </p:spPr>
+        <p:txBody>
+          <a:bodyPr wrap="square" rtlCol="0">
+            <a:spAutoFit/>
+          </a:bodyPr>
+          <a:lstStyle/>
+          <a:p>
+            <a:pPr algn="ctr"/>
+            <a:r>
+              <a:rPr lang="ko-KR" altLang="en-US" sz="1100" i="1" dirty="0">
+                <a:solidFill>
+                  <a:srgbClr val="FF7876"/>
+                </a:solidFill>
+              </a:rPr>
+              <a:t>주피터 예제 프로그램 실행</a:t>
+            </a:r>
+            <a:endParaRPr lang="en-US" altLang="ko-KR" sz="1100" i="1" dirty="0">
+              <a:solidFill>
+                <a:srgbClr val="FF7876"/>
+              </a:solidFill>
+            </a:endParaRPr>
+          </a:p>
+        </p:txBody>
+      </p:sp>
+      <p:sp>
+        <p:nvSpPr>
+          <p:cNvPr id="29" name="TextBox 28">
+            <a:extLst>
+              <a:ext uri="{FF2B5EF4-FFF2-40B4-BE49-F238E27FC236}">
+                <a16:creationId xmlns:a16="http://schemas.microsoft.com/office/drawing/2014/main" id="{E3EE4462-0DA3-3E4F-824A-75CB5562CE34}"/>
+              </a:ext>
+            </a:extLst>
+          </p:cNvPr>
+          <p:cNvSpPr txBox="1"/>
+          <p:nvPr/>
+        </p:nvSpPr>
+        <p:spPr>
+          <a:xfrm>
+            <a:off x="2991540" y="5599036"/>
+            <a:ext cx="6125027" cy="769441"/>
+          </a:xfrm>
+          <a:prstGeom prst="rect">
+            <a:avLst/>
+          </a:prstGeom>
+          <a:noFill/>
+          <a:ln w="12700">
+            <a:solidFill>
+              <a:srgbClr val="FF7876"/>
+            </a:solidFill>
+          </a:ln>
+        </p:spPr>
+        <p:txBody>
+          <a:bodyPr wrap="square" rtlCol="0">
+            <a:spAutoFit/>
+          </a:bodyPr>
+          <a:lstStyle/>
+          <a:p>
+            <a:pPr algn="ctr"/>
+            <a:r>
+              <a:rPr lang="ko-KR" altLang="en-US" sz="1100" dirty="0"/>
+              <a:t>노트북 형식의 </a:t>
+            </a:r>
+            <a:r>
+              <a:rPr lang="en-US" altLang="ko-KR" sz="1100" dirty="0" err="1"/>
+              <a:t>ipynb</a:t>
+            </a:r>
+            <a:r>
+              <a:rPr lang="ko-KR" altLang="en-US" sz="1100" dirty="0" err="1"/>
+              <a:t>를</a:t>
+            </a:r>
+            <a:r>
+              <a:rPr lang="ko-KR" altLang="en-US" sz="1100" dirty="0"/>
+              <a:t> </a:t>
+            </a:r>
+            <a:r>
+              <a:rPr lang="en-US" altLang="ko-KR" sz="1100" dirty="0"/>
+              <a:t>python </a:t>
+            </a:r>
+            <a:r>
+              <a:rPr lang="ko-KR" altLang="en-US" sz="1100" dirty="0"/>
+              <a:t>프로그램으로 변환하기 위해</a:t>
+            </a:r>
+            <a:endParaRPr lang="en-US" altLang="ko-KR" sz="1100" dirty="0"/>
+          </a:p>
+          <a:p>
+            <a:pPr algn="ctr"/>
+            <a:r>
+              <a:rPr lang="en-US" altLang="ko-KR" sz="1100" dirty="0" err="1"/>
+              <a:t>jupyter</a:t>
+            </a:r>
+            <a:r>
+              <a:rPr lang="en-US" altLang="ko-KR" sz="1100" dirty="0"/>
+              <a:t> </a:t>
+            </a:r>
+            <a:r>
+              <a:rPr lang="en-US" altLang="ko-KR" sz="1100" dirty="0" err="1"/>
+              <a:t>nbconvert</a:t>
+            </a:r>
+            <a:r>
+              <a:rPr lang="ko-KR" altLang="en-US" sz="1100" dirty="0" err="1"/>
+              <a:t>를</a:t>
+            </a:r>
+            <a:r>
+              <a:rPr lang="ko-KR" altLang="en-US" sz="1100" dirty="0"/>
+              <a:t> 이용하여 변환시켜준 모습입니다</a:t>
+            </a:r>
+            <a:r>
+              <a:rPr lang="en-US" altLang="ko-KR" sz="1100" dirty="0"/>
+              <a:t>.</a:t>
+            </a:r>
+          </a:p>
+          <a:p>
+            <a:pPr algn="ctr"/>
+            <a:r>
+              <a:rPr lang="ko-KR" altLang="en-US" sz="1100" dirty="0"/>
+              <a:t>파일을 </a:t>
+            </a:r>
+            <a:r>
+              <a:rPr lang="ko-KR" altLang="en-US" sz="1100" dirty="0" err="1"/>
+              <a:t>열었을때</a:t>
+            </a:r>
+            <a:r>
+              <a:rPr lang="ko-KR" altLang="en-US" sz="1100" dirty="0"/>
+              <a:t> </a:t>
+            </a:r>
+            <a:r>
+              <a:rPr lang="ko-KR" altLang="en-US" sz="1100" dirty="0" err="1"/>
+              <a:t>출력구문과</a:t>
+            </a:r>
+            <a:r>
+              <a:rPr lang="ko-KR" altLang="en-US" sz="1100" dirty="0"/>
+              <a:t> 마크다운라인은 </a:t>
+            </a:r>
+            <a:r>
+              <a:rPr lang="ko-KR" altLang="en-US" sz="1100" dirty="0" err="1"/>
+              <a:t>주석처리가</a:t>
+            </a:r>
+            <a:r>
+              <a:rPr lang="ko-KR" altLang="en-US" sz="1100" dirty="0"/>
+              <a:t> 되어진 것과</a:t>
+            </a:r>
+            <a:endParaRPr lang="en-US" altLang="ko-KR" sz="1100" dirty="0"/>
+          </a:p>
+          <a:p>
+            <a:pPr algn="ctr"/>
+            <a:r>
+              <a:rPr lang="ko-KR" altLang="en-US" sz="1100" dirty="0" err="1"/>
+              <a:t>코드부분은</a:t>
+            </a:r>
+            <a:r>
+              <a:rPr lang="ko-KR" altLang="en-US" sz="1100" dirty="0"/>
+              <a:t> 그대로 </a:t>
+            </a:r>
+            <a:r>
+              <a:rPr lang="ko-KR" altLang="en-US" sz="1100" dirty="0" err="1"/>
+              <a:t>남아있는것을</a:t>
+            </a:r>
+            <a:r>
+              <a:rPr lang="ko-KR" altLang="en-US" sz="1100" dirty="0"/>
+              <a:t> 볼 수 있습니다</a:t>
+            </a:r>
+            <a:r>
+              <a:rPr lang="en-US" altLang="ko-KR" sz="1100"/>
+              <a:t>.</a:t>
+            </a:r>
+            <a:endParaRPr lang="en-US" altLang="ko-KR" sz="1100" dirty="0"/>
+          </a:p>
+        </p:txBody>
+      </p:sp>
+      <p:pic>
+        <p:nvPicPr>
+          <p:cNvPr id="2" name="그림 1">
+            <a:extLst>
+              <a:ext uri="{FF2B5EF4-FFF2-40B4-BE49-F238E27FC236}">
+                <a16:creationId xmlns:a16="http://schemas.microsoft.com/office/drawing/2014/main" id="{EAEA4123-B840-054D-8895-B0E4020C99AC}"/>
+              </a:ext>
+            </a:extLst>
+          </p:cNvPr>
+          <p:cNvPicPr>
+            <a:picLocks noChangeAspect="1"/>
+          </p:cNvPicPr>
+          <p:nvPr/>
+        </p:nvPicPr>
+        <p:blipFill>
+          <a:blip r:embed="rId2"/>
+          <a:stretch>
+            <a:fillRect/>
+          </a:stretch>
+        </p:blipFill>
+        <p:spPr>
+          <a:xfrm>
+            <a:off x="251799" y="1583554"/>
+            <a:ext cx="6125027" cy="883591"/>
+          </a:xfrm>
+          <a:prstGeom prst="rect">
+            <a:avLst/>
+          </a:prstGeom>
+        </p:spPr>
+      </p:pic>
+      <p:pic>
+        <p:nvPicPr>
+          <p:cNvPr id="3" name="그림 2">
+            <a:extLst>
+              <a:ext uri="{FF2B5EF4-FFF2-40B4-BE49-F238E27FC236}">
+                <a16:creationId xmlns:a16="http://schemas.microsoft.com/office/drawing/2014/main" id="{9A36FC12-C00A-1F4E-92FA-0C2012FDA3AF}"/>
+              </a:ext>
+            </a:extLst>
+          </p:cNvPr>
+          <p:cNvPicPr>
+            <a:picLocks noChangeAspect="1"/>
+          </p:cNvPicPr>
+          <p:nvPr/>
+        </p:nvPicPr>
+        <p:blipFill>
+          <a:blip r:embed="rId3"/>
+          <a:stretch>
+            <a:fillRect/>
+          </a:stretch>
+        </p:blipFill>
+        <p:spPr>
+          <a:xfrm>
+            <a:off x="368948" y="2359950"/>
+            <a:ext cx="5717486" cy="3346281"/>
+          </a:xfrm>
+          <a:prstGeom prst="rect">
+            <a:avLst/>
+          </a:prstGeom>
+        </p:spPr>
+      </p:pic>
+      <p:pic>
+        <p:nvPicPr>
+          <p:cNvPr id="4" name="그림 3">
+            <a:extLst>
+              <a:ext uri="{FF2B5EF4-FFF2-40B4-BE49-F238E27FC236}">
+                <a16:creationId xmlns:a16="http://schemas.microsoft.com/office/drawing/2014/main" id="{D957C08B-EB31-CC40-8AAD-270C73215FD2}"/>
+              </a:ext>
+            </a:extLst>
+          </p:cNvPr>
+          <p:cNvPicPr>
+            <a:picLocks noChangeAspect="1"/>
+          </p:cNvPicPr>
+          <p:nvPr/>
+        </p:nvPicPr>
+        <p:blipFill>
+          <a:blip r:embed="rId4"/>
+          <a:stretch>
+            <a:fillRect/>
+          </a:stretch>
+        </p:blipFill>
+        <p:spPr>
+          <a:xfrm>
+            <a:off x="6990980" y="997920"/>
+            <a:ext cx="4479739" cy="4748431"/>
+          </a:xfrm>
+          <a:prstGeom prst="rect">
+            <a:avLst/>
+          </a:prstGeom>
+        </p:spPr>
+      </p:pic>
+    </p:spTree>
+    <p:extLst>
+      <p:ext uri="{BB962C8B-B14F-4D97-AF65-F5344CB8AC3E}">
+        <p14:creationId xmlns:p14="http://schemas.microsoft.com/office/powerpoint/2010/main" val="2666127226"/>
+      </p:ext>
+    </p:extLst>
+  </p:cSld>
+  <p:clrMapOvr>
+    <a:masterClrMapping/>
+  </p:clrMapOvr>
+</p:sld>
+</file>
+
+<file path=ppt/slides/slide14.xml><?xml version="1.0" encoding="utf-8"?>
 <p:sld xmlns:a="http://schemas.openxmlformats.org/drawingml/2006/main" xmlns:r="http://schemas.openxmlformats.org/officeDocument/2006/relationships" xmlns:p="http://schemas.openxmlformats.org/presentationml/2006/main">
   <p:cSld>
     <p:spTree>

--- a/2장/20164091-송희령-2주차 과제.pptx
+++ b/2장/20164091-송희령-2주차 과제.pptx
@@ -18,7 +18,9 @@
     <p:sldId id="376" r:id="rId12"/>
     <p:sldId id="377" r:id="rId13"/>
     <p:sldId id="378" r:id="rId14"/>
-    <p:sldId id="258" r:id="rId15"/>
+    <p:sldId id="379" r:id="rId15"/>
+    <p:sldId id="380" r:id="rId16"/>
+    <p:sldId id="258" r:id="rId17"/>
   </p:sldIdLst>
   <p:sldSz cx="12192000" cy="6858000"/>
   <p:notesSz cx="6858000" cy="9144000"/>
@@ -5566,10 +5568,9 @@
               <a:t> 볼 수 있습니다</a:t>
             </a:r>
             <a:r>
-              <a:rPr lang="en-US" altLang="ko-KR" sz="1100"/>
+              <a:rPr lang="en-US" altLang="ko-KR" sz="1100" dirty="0"/>
               <a:t>.</a:t>
             </a:r>
-            <a:endParaRPr lang="en-US" altLang="ko-KR" sz="1100" dirty="0"/>
           </a:p>
         </p:txBody>
       </p:sp>
@@ -5677,6 +5678,630 @@
 </file>
 
 <file path=ppt/slides/slide14.xml><?xml version="1.0" encoding="utf-8"?>
+<p:sld xmlns:a="http://schemas.openxmlformats.org/drawingml/2006/main" xmlns:r="http://schemas.openxmlformats.org/officeDocument/2006/relationships" xmlns:p="http://schemas.openxmlformats.org/presentationml/2006/main">
+  <p:cSld>
+    <p:spTree>
+      <p:nvGrpSpPr>
+        <p:cNvPr id="1" name=""/>
+        <p:cNvGrpSpPr/>
+        <p:nvPr/>
+      </p:nvGrpSpPr>
+      <p:grpSpPr>
+        <a:xfrm>
+          <a:off x="0" y="0"/>
+          <a:ext cx="0" cy="0"/>
+          <a:chOff x="0" y="0"/>
+          <a:chExt cx="0" cy="0"/>
+        </a:xfrm>
+      </p:grpSpPr>
+      <p:sp>
+        <p:nvSpPr>
+          <p:cNvPr id="37" name="직사각형 36">
+            <a:extLst>
+              <a:ext uri="{FF2B5EF4-FFF2-40B4-BE49-F238E27FC236}">
+                <a16:creationId xmlns:a16="http://schemas.microsoft.com/office/drawing/2014/main" id="{3F15C60C-17FE-422D-AFCF-73C75A021362}"/>
+              </a:ext>
+            </a:extLst>
+          </p:cNvPr>
+          <p:cNvSpPr/>
+          <p:nvPr/>
+        </p:nvSpPr>
+        <p:spPr>
+          <a:xfrm>
+            <a:off x="3697172" y="332194"/>
+            <a:ext cx="4713765" cy="735842"/>
+          </a:xfrm>
+          <a:prstGeom prst="rect">
+            <a:avLst/>
+          </a:prstGeom>
+        </p:spPr>
+        <p:txBody>
+          <a:bodyPr wrap="square">
+            <a:spAutoFit/>
+          </a:bodyPr>
+          <a:lstStyle/>
+          <a:p>
+            <a:pPr algn="ctr" latinLnBrk="0">
+              <a:lnSpc>
+                <a:spcPct val="150000"/>
+              </a:lnSpc>
+              <a:defRPr/>
+            </a:pPr>
+            <a:r>
+              <a:rPr lang="en-US" altLang="ko-KR" sz="3200" b="1" i="1" kern="0" dirty="0">
+                <a:solidFill>
+                  <a:srgbClr val="FF7876"/>
+                </a:solidFill>
+              </a:rPr>
+              <a:t>4</a:t>
+            </a:r>
+          </a:p>
+        </p:txBody>
+      </p:sp>
+      <p:cxnSp>
+        <p:nvCxnSpPr>
+          <p:cNvPr id="38" name="직선 연결선 37">
+            <a:extLst>
+              <a:ext uri="{FF2B5EF4-FFF2-40B4-BE49-F238E27FC236}">
+                <a16:creationId xmlns:a16="http://schemas.microsoft.com/office/drawing/2014/main" id="{940134F4-F272-426A-B50B-8075427DF501}"/>
+              </a:ext>
+            </a:extLst>
+          </p:cNvPr>
+          <p:cNvCxnSpPr>
+            <a:cxnSpLocks/>
+          </p:cNvCxnSpPr>
+          <p:nvPr/>
+        </p:nvCxnSpPr>
+        <p:spPr>
+          <a:xfrm flipV="1">
+            <a:off x="843148" y="847712"/>
+            <a:ext cx="4769087" cy="1"/>
+          </a:xfrm>
+          <a:prstGeom prst="line">
+            <a:avLst/>
+          </a:prstGeom>
+          <a:ln w="6350">
+            <a:solidFill>
+              <a:srgbClr val="FF7876"/>
+            </a:solidFill>
+            <a:prstDash val="sysDash"/>
+            <a:tailEnd type="oval"/>
+          </a:ln>
+        </p:spPr>
+        <p:style>
+          <a:lnRef idx="1">
+            <a:schemeClr val="accent1"/>
+          </a:lnRef>
+          <a:fillRef idx="0">
+            <a:schemeClr val="accent1"/>
+          </a:fillRef>
+          <a:effectRef idx="0">
+            <a:schemeClr val="accent1"/>
+          </a:effectRef>
+          <a:fontRef idx="minor">
+            <a:schemeClr val="tx1"/>
+          </a:fontRef>
+        </p:style>
+      </p:cxnSp>
+      <p:cxnSp>
+        <p:nvCxnSpPr>
+          <p:cNvPr id="39" name="직선 연결선 38">
+            <a:extLst>
+              <a:ext uri="{FF2B5EF4-FFF2-40B4-BE49-F238E27FC236}">
+                <a16:creationId xmlns:a16="http://schemas.microsoft.com/office/drawing/2014/main" id="{55EBD739-0979-4546-8E6B-9CA8052FC540}"/>
+              </a:ext>
+            </a:extLst>
+          </p:cNvPr>
+          <p:cNvCxnSpPr>
+            <a:cxnSpLocks/>
+          </p:cNvCxnSpPr>
+          <p:nvPr/>
+        </p:nvCxnSpPr>
+        <p:spPr>
+          <a:xfrm flipH="1">
+            <a:off x="6579767" y="847712"/>
+            <a:ext cx="4692810" cy="0"/>
+          </a:xfrm>
+          <a:prstGeom prst="line">
+            <a:avLst/>
+          </a:prstGeom>
+          <a:ln w="6350">
+            <a:solidFill>
+              <a:srgbClr val="FF7876"/>
+            </a:solidFill>
+            <a:prstDash val="sysDash"/>
+            <a:tailEnd type="oval"/>
+          </a:ln>
+        </p:spPr>
+        <p:style>
+          <a:lnRef idx="1">
+            <a:schemeClr val="accent1"/>
+          </a:lnRef>
+          <a:fillRef idx="0">
+            <a:schemeClr val="accent1"/>
+          </a:fillRef>
+          <a:effectRef idx="0">
+            <a:schemeClr val="accent1"/>
+          </a:effectRef>
+          <a:fontRef idx="minor">
+            <a:schemeClr val="tx1"/>
+          </a:fontRef>
+        </p:style>
+      </p:cxnSp>
+      <p:sp>
+        <p:nvSpPr>
+          <p:cNvPr id="8" name="TextBox 7">
+            <a:extLst>
+              <a:ext uri="{FF2B5EF4-FFF2-40B4-BE49-F238E27FC236}">
+                <a16:creationId xmlns:a16="http://schemas.microsoft.com/office/drawing/2014/main" id="{C18154B9-4F65-4277-8C17-63D9702FC25F}"/>
+              </a:ext>
+            </a:extLst>
+          </p:cNvPr>
+          <p:cNvSpPr txBox="1"/>
+          <p:nvPr/>
+        </p:nvSpPr>
+        <p:spPr>
+          <a:xfrm>
+            <a:off x="765146" y="963122"/>
+            <a:ext cx="10507430" cy="261610"/>
+          </a:xfrm>
+          <a:prstGeom prst="rect">
+            <a:avLst/>
+          </a:prstGeom>
+          <a:noFill/>
+        </p:spPr>
+        <p:txBody>
+          <a:bodyPr wrap="square" rtlCol="0">
+            <a:spAutoFit/>
+          </a:bodyPr>
+          <a:lstStyle/>
+          <a:p>
+            <a:pPr algn="ctr"/>
+            <a:r>
+              <a:rPr lang="ko-KR" altLang="en-US" sz="1100" i="1" dirty="0">
+                <a:solidFill>
+                  <a:srgbClr val="FF7876"/>
+                </a:solidFill>
+              </a:rPr>
+              <a:t>임의 프로그램 실행</a:t>
+            </a:r>
+            <a:endParaRPr lang="en-US" altLang="ko-KR" sz="1100" i="1" dirty="0">
+              <a:solidFill>
+                <a:srgbClr val="FF7876"/>
+              </a:solidFill>
+            </a:endParaRPr>
+          </a:p>
+        </p:txBody>
+      </p:sp>
+      <p:sp>
+        <p:nvSpPr>
+          <p:cNvPr id="29" name="TextBox 28">
+            <a:extLst>
+              <a:ext uri="{FF2B5EF4-FFF2-40B4-BE49-F238E27FC236}">
+                <a16:creationId xmlns:a16="http://schemas.microsoft.com/office/drawing/2014/main" id="{E3EE4462-0DA3-3E4F-824A-75CB5562CE34}"/>
+              </a:ext>
+            </a:extLst>
+          </p:cNvPr>
+          <p:cNvSpPr txBox="1"/>
+          <p:nvPr/>
+        </p:nvSpPr>
+        <p:spPr>
+          <a:xfrm>
+            <a:off x="2991540" y="5599036"/>
+            <a:ext cx="6125027" cy="769441"/>
+          </a:xfrm>
+          <a:prstGeom prst="rect">
+            <a:avLst/>
+          </a:prstGeom>
+          <a:noFill/>
+          <a:ln w="12700">
+            <a:solidFill>
+              <a:srgbClr val="FF7876"/>
+            </a:solidFill>
+          </a:ln>
+        </p:spPr>
+        <p:txBody>
+          <a:bodyPr wrap="square" rtlCol="0">
+            <a:spAutoFit/>
+          </a:bodyPr>
+          <a:lstStyle/>
+          <a:p>
+            <a:pPr algn="ctr"/>
+            <a:r>
+              <a:rPr lang="ko-KR" altLang="en-US" sz="1100" dirty="0"/>
+              <a:t>이번 임의 프로그램으로 </a:t>
+            </a:r>
+            <a:r>
+              <a:rPr lang="en-US" altLang="ko-KR" sz="1100" dirty="0"/>
+              <a:t>1</a:t>
+            </a:r>
+            <a:r>
+              <a:rPr lang="ko-KR" altLang="en-US" sz="1100" dirty="0"/>
+              <a:t>주차에서 작성했던 코드를</a:t>
+            </a:r>
+            <a:endParaRPr lang="en-US" altLang="ko-KR" sz="1100" dirty="0"/>
+          </a:p>
+          <a:p>
+            <a:pPr algn="ctr"/>
+            <a:r>
+              <a:rPr lang="ko-KR" altLang="en-US" sz="1100" dirty="0"/>
+              <a:t>그대로 이식해서 </a:t>
+            </a:r>
+            <a:r>
+              <a:rPr lang="ko-KR" altLang="en-US" sz="1100" dirty="0" err="1"/>
+              <a:t>작동시키는것을</a:t>
+            </a:r>
+            <a:r>
+              <a:rPr lang="ko-KR" altLang="en-US" sz="1100" dirty="0"/>
+              <a:t> 해보았습니다</a:t>
+            </a:r>
+            <a:r>
+              <a:rPr lang="en-US" altLang="ko-KR" sz="1100" dirty="0"/>
+              <a:t>.</a:t>
+            </a:r>
+          </a:p>
+          <a:p>
+            <a:pPr algn="ctr"/>
+            <a:r>
+              <a:rPr lang="ko-KR" altLang="en-US" sz="1100" dirty="0" err="1"/>
+              <a:t>돈까스의</a:t>
+            </a:r>
+            <a:r>
+              <a:rPr lang="ko-KR" altLang="en-US" sz="1100" dirty="0"/>
+              <a:t> 구성에 따라 클래스의 상속과 오버라이드를</a:t>
+            </a:r>
+            <a:endParaRPr lang="en-US" altLang="ko-KR" sz="1100" dirty="0"/>
+          </a:p>
+          <a:p>
+            <a:pPr algn="ctr"/>
+            <a:r>
+              <a:rPr lang="ko-KR" altLang="en-US" sz="1100" dirty="0"/>
+              <a:t>적용한 코드입니다</a:t>
+            </a:r>
+            <a:r>
+              <a:rPr lang="en-US" altLang="ko-KR" sz="1100" dirty="0"/>
+              <a:t>.</a:t>
+            </a:r>
+          </a:p>
+        </p:txBody>
+      </p:sp>
+      <p:pic>
+        <p:nvPicPr>
+          <p:cNvPr id="5" name="그림 4">
+            <a:extLst>
+              <a:ext uri="{FF2B5EF4-FFF2-40B4-BE49-F238E27FC236}">
+                <a16:creationId xmlns:a16="http://schemas.microsoft.com/office/drawing/2014/main" id="{576D724E-28E2-4940-BA87-73FEF3028573}"/>
+              </a:ext>
+            </a:extLst>
+          </p:cNvPr>
+          <p:cNvPicPr>
+            <a:picLocks noChangeAspect="1"/>
+          </p:cNvPicPr>
+          <p:nvPr/>
+        </p:nvPicPr>
+        <p:blipFill>
+          <a:blip r:embed="rId2"/>
+          <a:stretch>
+            <a:fillRect/>
+          </a:stretch>
+        </p:blipFill>
+        <p:spPr>
+          <a:xfrm>
+            <a:off x="3310094" y="1331232"/>
+            <a:ext cx="5571812" cy="4151062"/>
+          </a:xfrm>
+          <a:prstGeom prst="rect">
+            <a:avLst/>
+          </a:prstGeom>
+        </p:spPr>
+      </p:pic>
+    </p:spTree>
+    <p:extLst>
+      <p:ext uri="{BB962C8B-B14F-4D97-AF65-F5344CB8AC3E}">
+        <p14:creationId xmlns:p14="http://schemas.microsoft.com/office/powerpoint/2010/main" val="1513546576"/>
+      </p:ext>
+    </p:extLst>
+  </p:cSld>
+  <p:clrMapOvr>
+    <a:masterClrMapping/>
+  </p:clrMapOvr>
+</p:sld>
+</file>
+
+<file path=ppt/slides/slide15.xml><?xml version="1.0" encoding="utf-8"?>
+<p:sld xmlns:a="http://schemas.openxmlformats.org/drawingml/2006/main" xmlns:r="http://schemas.openxmlformats.org/officeDocument/2006/relationships" xmlns:p="http://schemas.openxmlformats.org/presentationml/2006/main">
+  <p:cSld>
+    <p:spTree>
+      <p:nvGrpSpPr>
+        <p:cNvPr id="1" name=""/>
+        <p:cNvGrpSpPr/>
+        <p:nvPr/>
+      </p:nvGrpSpPr>
+      <p:grpSpPr>
+        <a:xfrm>
+          <a:off x="0" y="0"/>
+          <a:ext cx="0" cy="0"/>
+          <a:chOff x="0" y="0"/>
+          <a:chExt cx="0" cy="0"/>
+        </a:xfrm>
+      </p:grpSpPr>
+      <p:sp>
+        <p:nvSpPr>
+          <p:cNvPr id="37" name="직사각형 36">
+            <a:extLst>
+              <a:ext uri="{FF2B5EF4-FFF2-40B4-BE49-F238E27FC236}">
+                <a16:creationId xmlns:a16="http://schemas.microsoft.com/office/drawing/2014/main" id="{3F15C60C-17FE-422D-AFCF-73C75A021362}"/>
+              </a:ext>
+            </a:extLst>
+          </p:cNvPr>
+          <p:cNvSpPr/>
+          <p:nvPr/>
+        </p:nvSpPr>
+        <p:spPr>
+          <a:xfrm>
+            <a:off x="3697172" y="332194"/>
+            <a:ext cx="4713765" cy="735842"/>
+          </a:xfrm>
+          <a:prstGeom prst="rect">
+            <a:avLst/>
+          </a:prstGeom>
+        </p:spPr>
+        <p:txBody>
+          <a:bodyPr wrap="square">
+            <a:spAutoFit/>
+          </a:bodyPr>
+          <a:lstStyle/>
+          <a:p>
+            <a:pPr algn="ctr" latinLnBrk="0">
+              <a:lnSpc>
+                <a:spcPct val="150000"/>
+              </a:lnSpc>
+              <a:defRPr/>
+            </a:pPr>
+            <a:r>
+              <a:rPr lang="en-US" altLang="ko-KR" sz="3200" b="1" i="1" kern="0" dirty="0">
+                <a:solidFill>
+                  <a:srgbClr val="FF7876"/>
+                </a:solidFill>
+              </a:rPr>
+              <a:t>4</a:t>
+            </a:r>
+          </a:p>
+        </p:txBody>
+      </p:sp>
+      <p:cxnSp>
+        <p:nvCxnSpPr>
+          <p:cNvPr id="38" name="직선 연결선 37">
+            <a:extLst>
+              <a:ext uri="{FF2B5EF4-FFF2-40B4-BE49-F238E27FC236}">
+                <a16:creationId xmlns:a16="http://schemas.microsoft.com/office/drawing/2014/main" id="{940134F4-F272-426A-B50B-8075427DF501}"/>
+              </a:ext>
+            </a:extLst>
+          </p:cNvPr>
+          <p:cNvCxnSpPr>
+            <a:cxnSpLocks/>
+          </p:cNvCxnSpPr>
+          <p:nvPr/>
+        </p:nvCxnSpPr>
+        <p:spPr>
+          <a:xfrm flipV="1">
+            <a:off x="843148" y="847712"/>
+            <a:ext cx="4769087" cy="1"/>
+          </a:xfrm>
+          <a:prstGeom prst="line">
+            <a:avLst/>
+          </a:prstGeom>
+          <a:ln w="6350">
+            <a:solidFill>
+              <a:srgbClr val="FF7876"/>
+            </a:solidFill>
+            <a:prstDash val="sysDash"/>
+            <a:tailEnd type="oval"/>
+          </a:ln>
+        </p:spPr>
+        <p:style>
+          <a:lnRef idx="1">
+            <a:schemeClr val="accent1"/>
+          </a:lnRef>
+          <a:fillRef idx="0">
+            <a:schemeClr val="accent1"/>
+          </a:fillRef>
+          <a:effectRef idx="0">
+            <a:schemeClr val="accent1"/>
+          </a:effectRef>
+          <a:fontRef idx="minor">
+            <a:schemeClr val="tx1"/>
+          </a:fontRef>
+        </p:style>
+      </p:cxnSp>
+      <p:cxnSp>
+        <p:nvCxnSpPr>
+          <p:cNvPr id="39" name="직선 연결선 38">
+            <a:extLst>
+              <a:ext uri="{FF2B5EF4-FFF2-40B4-BE49-F238E27FC236}">
+                <a16:creationId xmlns:a16="http://schemas.microsoft.com/office/drawing/2014/main" id="{55EBD739-0979-4546-8E6B-9CA8052FC540}"/>
+              </a:ext>
+            </a:extLst>
+          </p:cNvPr>
+          <p:cNvCxnSpPr>
+            <a:cxnSpLocks/>
+          </p:cNvCxnSpPr>
+          <p:nvPr/>
+        </p:nvCxnSpPr>
+        <p:spPr>
+          <a:xfrm flipH="1">
+            <a:off x="6579767" y="847712"/>
+            <a:ext cx="4692810" cy="0"/>
+          </a:xfrm>
+          <a:prstGeom prst="line">
+            <a:avLst/>
+          </a:prstGeom>
+          <a:ln w="6350">
+            <a:solidFill>
+              <a:srgbClr val="FF7876"/>
+            </a:solidFill>
+            <a:prstDash val="sysDash"/>
+            <a:tailEnd type="oval"/>
+          </a:ln>
+        </p:spPr>
+        <p:style>
+          <a:lnRef idx="1">
+            <a:schemeClr val="accent1"/>
+          </a:lnRef>
+          <a:fillRef idx="0">
+            <a:schemeClr val="accent1"/>
+          </a:fillRef>
+          <a:effectRef idx="0">
+            <a:schemeClr val="accent1"/>
+          </a:effectRef>
+          <a:fontRef idx="minor">
+            <a:schemeClr val="tx1"/>
+          </a:fontRef>
+        </p:style>
+      </p:cxnSp>
+      <p:sp>
+        <p:nvSpPr>
+          <p:cNvPr id="8" name="TextBox 7">
+            <a:extLst>
+              <a:ext uri="{FF2B5EF4-FFF2-40B4-BE49-F238E27FC236}">
+                <a16:creationId xmlns:a16="http://schemas.microsoft.com/office/drawing/2014/main" id="{C18154B9-4F65-4277-8C17-63D9702FC25F}"/>
+              </a:ext>
+            </a:extLst>
+          </p:cNvPr>
+          <p:cNvSpPr txBox="1"/>
+          <p:nvPr/>
+        </p:nvSpPr>
+        <p:spPr>
+          <a:xfrm>
+            <a:off x="765146" y="963122"/>
+            <a:ext cx="10507430" cy="261610"/>
+          </a:xfrm>
+          <a:prstGeom prst="rect">
+            <a:avLst/>
+          </a:prstGeom>
+          <a:noFill/>
+        </p:spPr>
+        <p:txBody>
+          <a:bodyPr wrap="square" rtlCol="0">
+            <a:spAutoFit/>
+          </a:bodyPr>
+          <a:lstStyle/>
+          <a:p>
+            <a:pPr algn="ctr"/>
+            <a:r>
+              <a:rPr lang="ko-KR" altLang="en-US" sz="1100" i="1" dirty="0">
+                <a:solidFill>
+                  <a:srgbClr val="FF7876"/>
+                </a:solidFill>
+              </a:rPr>
+              <a:t>임의 프로그램 실행</a:t>
+            </a:r>
+            <a:endParaRPr lang="en-US" altLang="ko-KR" sz="1100" i="1" dirty="0">
+              <a:solidFill>
+                <a:srgbClr val="FF7876"/>
+              </a:solidFill>
+            </a:endParaRPr>
+          </a:p>
+        </p:txBody>
+      </p:sp>
+      <p:sp>
+        <p:nvSpPr>
+          <p:cNvPr id="29" name="TextBox 28">
+            <a:extLst>
+              <a:ext uri="{FF2B5EF4-FFF2-40B4-BE49-F238E27FC236}">
+                <a16:creationId xmlns:a16="http://schemas.microsoft.com/office/drawing/2014/main" id="{E3EE4462-0DA3-3E4F-824A-75CB5562CE34}"/>
+              </a:ext>
+            </a:extLst>
+          </p:cNvPr>
+          <p:cNvSpPr txBox="1"/>
+          <p:nvPr/>
+        </p:nvSpPr>
+        <p:spPr>
+          <a:xfrm>
+            <a:off x="2991540" y="6033976"/>
+            <a:ext cx="6125027" cy="430887"/>
+          </a:xfrm>
+          <a:prstGeom prst="rect">
+            <a:avLst/>
+          </a:prstGeom>
+          <a:noFill/>
+          <a:ln w="12700">
+            <a:solidFill>
+              <a:srgbClr val="FF7876"/>
+            </a:solidFill>
+          </a:ln>
+        </p:spPr>
+        <p:txBody>
+          <a:bodyPr wrap="square" rtlCol="0">
+            <a:spAutoFit/>
+          </a:bodyPr>
+          <a:lstStyle/>
+          <a:p>
+            <a:pPr algn="ctr"/>
+            <a:r>
+              <a:rPr lang="ko-Kore-KR" altLang="en-US" sz="1100" dirty="0"/>
+              <a:t>하단의 실행 결과로 노트북 환경에서 파이썬 프로그램이</a:t>
+            </a:r>
+            <a:endParaRPr lang="en-US" altLang="ko-Kore-KR" sz="1100" dirty="0"/>
+          </a:p>
+          <a:p>
+            <a:pPr algn="ctr"/>
+            <a:r>
+              <a:rPr lang="ko-Kore-KR" altLang="en-US" sz="1100" dirty="0"/>
+              <a:t>정상적으로 출력된 모습을 볼 수 있습니다</a:t>
+            </a:r>
+            <a:r>
+              <a:rPr lang="en-US" altLang="ko-Kore-KR" sz="1100" dirty="0"/>
+              <a:t>.</a:t>
+            </a:r>
+            <a:endParaRPr lang="en-US" altLang="ko-KR" sz="1100" dirty="0"/>
+          </a:p>
+        </p:txBody>
+      </p:sp>
+      <p:pic>
+        <p:nvPicPr>
+          <p:cNvPr id="2" name="그림 1">
+            <a:extLst>
+              <a:ext uri="{FF2B5EF4-FFF2-40B4-BE49-F238E27FC236}">
+                <a16:creationId xmlns:a16="http://schemas.microsoft.com/office/drawing/2014/main" id="{B8483448-E853-914E-AF0D-C829D32B92A7}"/>
+              </a:ext>
+            </a:extLst>
+          </p:cNvPr>
+          <p:cNvPicPr>
+            <a:picLocks noChangeAspect="1"/>
+          </p:cNvPicPr>
+          <p:nvPr/>
+        </p:nvPicPr>
+        <p:blipFill>
+          <a:blip r:embed="rId2"/>
+          <a:stretch>
+            <a:fillRect/>
+          </a:stretch>
+        </p:blipFill>
+        <p:spPr>
+          <a:xfrm>
+            <a:off x="2633007" y="1224732"/>
+            <a:ext cx="6771708" cy="4652548"/>
+          </a:xfrm>
+          <a:prstGeom prst="rect">
+            <a:avLst/>
+          </a:prstGeom>
+        </p:spPr>
+      </p:pic>
+    </p:spTree>
+    <p:extLst>
+      <p:ext uri="{BB962C8B-B14F-4D97-AF65-F5344CB8AC3E}">
+        <p14:creationId xmlns:p14="http://schemas.microsoft.com/office/powerpoint/2010/main" val="1795838521"/>
+      </p:ext>
+    </p:extLst>
+  </p:cSld>
+  <p:clrMapOvr>
+    <a:masterClrMapping/>
+  </p:clrMapOvr>
+</p:sld>
+</file>
+
+<file path=ppt/slides/slide16.xml><?xml version="1.0" encoding="utf-8"?>
 <p:sld xmlns:a="http://schemas.openxmlformats.org/drawingml/2006/main" xmlns:r="http://schemas.openxmlformats.org/officeDocument/2006/relationships" xmlns:p="http://schemas.openxmlformats.org/presentationml/2006/main">
   <p:cSld>
     <p:spTree>

--- a/2장/20164091-송희령-2주차 과제.pptx
+++ b/2장/20164091-송희령-2주차 과제.pptx
@@ -20,7 +20,8 @@
     <p:sldId id="378" r:id="rId14"/>
     <p:sldId id="379" r:id="rId15"/>
     <p:sldId id="380" r:id="rId16"/>
-    <p:sldId id="258" r:id="rId17"/>
+    <p:sldId id="381" r:id="rId17"/>
+    <p:sldId id="258" r:id="rId18"/>
   </p:sldIdLst>
   <p:sldSz cx="12192000" cy="6858000"/>
   <p:notesSz cx="6858000" cy="9144000"/>
@@ -6320,6 +6321,371 @@
       </p:grpSpPr>
       <p:sp>
         <p:nvSpPr>
+          <p:cNvPr id="37" name="직사각형 36">
+            <a:extLst>
+              <a:ext uri="{FF2B5EF4-FFF2-40B4-BE49-F238E27FC236}">
+                <a16:creationId xmlns:a16="http://schemas.microsoft.com/office/drawing/2014/main" id="{3F15C60C-17FE-422D-AFCF-73C75A021362}"/>
+              </a:ext>
+            </a:extLst>
+          </p:cNvPr>
+          <p:cNvSpPr/>
+          <p:nvPr/>
+        </p:nvSpPr>
+        <p:spPr>
+          <a:xfrm>
+            <a:off x="3697172" y="332194"/>
+            <a:ext cx="4713765" cy="735842"/>
+          </a:xfrm>
+          <a:prstGeom prst="rect">
+            <a:avLst/>
+          </a:prstGeom>
+        </p:spPr>
+        <p:txBody>
+          <a:bodyPr wrap="square">
+            <a:spAutoFit/>
+          </a:bodyPr>
+          <a:lstStyle/>
+          <a:p>
+            <a:pPr algn="ctr" latinLnBrk="0">
+              <a:lnSpc>
+                <a:spcPct val="150000"/>
+              </a:lnSpc>
+              <a:defRPr/>
+            </a:pPr>
+            <a:r>
+              <a:rPr lang="en-US" altLang="ko-KR" sz="3200" b="1" i="1" kern="0" dirty="0">
+                <a:solidFill>
+                  <a:srgbClr val="FF7876"/>
+                </a:solidFill>
+              </a:rPr>
+              <a:t>4</a:t>
+            </a:r>
+          </a:p>
+        </p:txBody>
+      </p:sp>
+      <p:cxnSp>
+        <p:nvCxnSpPr>
+          <p:cNvPr id="38" name="직선 연결선 37">
+            <a:extLst>
+              <a:ext uri="{FF2B5EF4-FFF2-40B4-BE49-F238E27FC236}">
+                <a16:creationId xmlns:a16="http://schemas.microsoft.com/office/drawing/2014/main" id="{940134F4-F272-426A-B50B-8075427DF501}"/>
+              </a:ext>
+            </a:extLst>
+          </p:cNvPr>
+          <p:cNvCxnSpPr>
+            <a:cxnSpLocks/>
+          </p:cNvCxnSpPr>
+          <p:nvPr/>
+        </p:nvCxnSpPr>
+        <p:spPr>
+          <a:xfrm flipV="1">
+            <a:off x="843148" y="847712"/>
+            <a:ext cx="4769087" cy="1"/>
+          </a:xfrm>
+          <a:prstGeom prst="line">
+            <a:avLst/>
+          </a:prstGeom>
+          <a:ln w="6350">
+            <a:solidFill>
+              <a:srgbClr val="FF7876"/>
+            </a:solidFill>
+            <a:prstDash val="sysDash"/>
+            <a:tailEnd type="oval"/>
+          </a:ln>
+        </p:spPr>
+        <p:style>
+          <a:lnRef idx="1">
+            <a:schemeClr val="accent1"/>
+          </a:lnRef>
+          <a:fillRef idx="0">
+            <a:schemeClr val="accent1"/>
+          </a:fillRef>
+          <a:effectRef idx="0">
+            <a:schemeClr val="accent1"/>
+          </a:effectRef>
+          <a:fontRef idx="minor">
+            <a:schemeClr val="tx1"/>
+          </a:fontRef>
+        </p:style>
+      </p:cxnSp>
+      <p:cxnSp>
+        <p:nvCxnSpPr>
+          <p:cNvPr id="39" name="직선 연결선 38">
+            <a:extLst>
+              <a:ext uri="{FF2B5EF4-FFF2-40B4-BE49-F238E27FC236}">
+                <a16:creationId xmlns:a16="http://schemas.microsoft.com/office/drawing/2014/main" id="{55EBD739-0979-4546-8E6B-9CA8052FC540}"/>
+              </a:ext>
+            </a:extLst>
+          </p:cNvPr>
+          <p:cNvCxnSpPr>
+            <a:cxnSpLocks/>
+          </p:cNvCxnSpPr>
+          <p:nvPr/>
+        </p:nvCxnSpPr>
+        <p:spPr>
+          <a:xfrm flipH="1">
+            <a:off x="6579767" y="847712"/>
+            <a:ext cx="4692810" cy="0"/>
+          </a:xfrm>
+          <a:prstGeom prst="line">
+            <a:avLst/>
+          </a:prstGeom>
+          <a:ln w="6350">
+            <a:solidFill>
+              <a:srgbClr val="FF7876"/>
+            </a:solidFill>
+            <a:prstDash val="sysDash"/>
+            <a:tailEnd type="oval"/>
+          </a:ln>
+        </p:spPr>
+        <p:style>
+          <a:lnRef idx="1">
+            <a:schemeClr val="accent1"/>
+          </a:lnRef>
+          <a:fillRef idx="0">
+            <a:schemeClr val="accent1"/>
+          </a:fillRef>
+          <a:effectRef idx="0">
+            <a:schemeClr val="accent1"/>
+          </a:effectRef>
+          <a:fontRef idx="minor">
+            <a:schemeClr val="tx1"/>
+          </a:fontRef>
+        </p:style>
+      </p:cxnSp>
+      <p:sp>
+        <p:nvSpPr>
+          <p:cNvPr id="8" name="TextBox 7">
+            <a:extLst>
+              <a:ext uri="{FF2B5EF4-FFF2-40B4-BE49-F238E27FC236}">
+                <a16:creationId xmlns:a16="http://schemas.microsoft.com/office/drawing/2014/main" id="{C18154B9-4F65-4277-8C17-63D9702FC25F}"/>
+              </a:ext>
+            </a:extLst>
+          </p:cNvPr>
+          <p:cNvSpPr txBox="1"/>
+          <p:nvPr/>
+        </p:nvSpPr>
+        <p:spPr>
+          <a:xfrm>
+            <a:off x="765146" y="963122"/>
+            <a:ext cx="10507430" cy="261610"/>
+          </a:xfrm>
+          <a:prstGeom prst="rect">
+            <a:avLst/>
+          </a:prstGeom>
+          <a:noFill/>
+        </p:spPr>
+        <p:txBody>
+          <a:bodyPr wrap="square" rtlCol="0">
+            <a:spAutoFit/>
+          </a:bodyPr>
+          <a:lstStyle/>
+          <a:p>
+            <a:pPr algn="ctr"/>
+            <a:r>
+              <a:rPr lang="ko-KR" altLang="en-US" sz="1100" i="1" dirty="0">
+                <a:solidFill>
+                  <a:srgbClr val="FF7876"/>
+                </a:solidFill>
+              </a:rPr>
+              <a:t>임의 프로그램 실행</a:t>
+            </a:r>
+            <a:endParaRPr lang="en-US" altLang="ko-KR" sz="1100" i="1" dirty="0">
+              <a:solidFill>
+                <a:srgbClr val="FF7876"/>
+              </a:solidFill>
+            </a:endParaRPr>
+          </a:p>
+        </p:txBody>
+      </p:sp>
+      <p:sp>
+        <p:nvSpPr>
+          <p:cNvPr id="29" name="TextBox 28">
+            <a:extLst>
+              <a:ext uri="{FF2B5EF4-FFF2-40B4-BE49-F238E27FC236}">
+                <a16:creationId xmlns:a16="http://schemas.microsoft.com/office/drawing/2014/main" id="{E3EE4462-0DA3-3E4F-824A-75CB5562CE34}"/>
+              </a:ext>
+            </a:extLst>
+          </p:cNvPr>
+          <p:cNvSpPr txBox="1"/>
+          <p:nvPr/>
+        </p:nvSpPr>
+        <p:spPr>
+          <a:xfrm>
+            <a:off x="3033486" y="5534064"/>
+            <a:ext cx="6125027" cy="600164"/>
+          </a:xfrm>
+          <a:prstGeom prst="rect">
+            <a:avLst/>
+          </a:prstGeom>
+          <a:noFill/>
+          <a:ln w="12700">
+            <a:solidFill>
+              <a:srgbClr val="FF7876"/>
+            </a:solidFill>
+          </a:ln>
+        </p:spPr>
+        <p:txBody>
+          <a:bodyPr wrap="square" rtlCol="0">
+            <a:spAutoFit/>
+          </a:bodyPr>
+          <a:lstStyle/>
+          <a:p>
+            <a:pPr algn="ctr"/>
+            <a:r>
+              <a:rPr lang="ko-KR" altLang="en-US" sz="1100" dirty="0"/>
+              <a:t>로컬에서도 역시 해당 내용이 기입되어 </a:t>
+            </a:r>
+            <a:r>
+              <a:rPr lang="ko-KR" altLang="en-US" sz="1100" dirty="0" err="1"/>
+              <a:t>저장된것을</a:t>
+            </a:r>
+            <a:r>
+              <a:rPr lang="ko-KR" altLang="en-US" sz="1100" dirty="0"/>
+              <a:t> 확인할 수 있습니다</a:t>
+            </a:r>
+            <a:r>
+              <a:rPr lang="en-US" altLang="ko-KR" sz="1100" dirty="0"/>
+              <a:t>.</a:t>
+            </a:r>
+          </a:p>
+          <a:p>
+            <a:pPr algn="ctr"/>
+            <a:r>
+              <a:rPr lang="ko-KR" altLang="en-US" sz="1100" dirty="0"/>
+              <a:t>설명대로 </a:t>
+            </a:r>
+            <a:r>
+              <a:rPr lang="en-US" altLang="ko-KR" sz="1100" dirty="0" err="1"/>
+              <a:t>ipynb</a:t>
+            </a:r>
+            <a:r>
+              <a:rPr lang="en-US" altLang="ko-KR" sz="1100" dirty="0"/>
+              <a:t> </a:t>
+            </a:r>
+            <a:r>
+              <a:rPr lang="ko-KR" altLang="en-US" sz="1100" dirty="0"/>
+              <a:t>노트북파일은 해당 내용들이</a:t>
+            </a:r>
+            <a:endParaRPr lang="en-US" altLang="ko-KR" sz="1100" dirty="0"/>
+          </a:p>
+          <a:p>
+            <a:pPr algn="ctr"/>
+            <a:r>
+              <a:rPr lang="en-US" altLang="ko-KR" sz="1100" dirty="0"/>
+              <a:t>json</a:t>
+            </a:r>
+            <a:r>
+              <a:rPr lang="ko-KR" altLang="en-US" sz="1100" dirty="0"/>
+              <a:t>형식으로 </a:t>
+            </a:r>
+            <a:r>
+              <a:rPr lang="ko-KR" altLang="en-US" sz="1100" dirty="0" err="1"/>
+              <a:t>저장된것을</a:t>
+            </a:r>
+            <a:r>
+              <a:rPr lang="ko-KR" altLang="en-US" sz="1100" dirty="0"/>
+              <a:t> 볼 수 있었습니다</a:t>
+            </a:r>
+            <a:r>
+              <a:rPr lang="en-US" altLang="ko-KR" sz="1100" dirty="0"/>
+              <a:t>.</a:t>
+            </a:r>
+          </a:p>
+        </p:txBody>
+      </p:sp>
+      <p:pic>
+        <p:nvPicPr>
+          <p:cNvPr id="3" name="그림 2">
+            <a:extLst>
+              <a:ext uri="{FF2B5EF4-FFF2-40B4-BE49-F238E27FC236}">
+                <a16:creationId xmlns:a16="http://schemas.microsoft.com/office/drawing/2014/main" id="{DC342E22-D3C9-BD4B-9EA6-6C976F1D95FD}"/>
+              </a:ext>
+            </a:extLst>
+          </p:cNvPr>
+          <p:cNvPicPr>
+            <a:picLocks noChangeAspect="1"/>
+          </p:cNvPicPr>
+          <p:nvPr/>
+        </p:nvPicPr>
+        <p:blipFill>
+          <a:blip r:embed="rId2"/>
+          <a:stretch>
+            <a:fillRect/>
+          </a:stretch>
+        </p:blipFill>
+        <p:spPr>
+          <a:xfrm>
+            <a:off x="765146" y="1649748"/>
+            <a:ext cx="4832229" cy="2828165"/>
+          </a:xfrm>
+          <a:prstGeom prst="rect">
+            <a:avLst/>
+          </a:prstGeom>
+        </p:spPr>
+      </p:pic>
+      <p:pic>
+        <p:nvPicPr>
+          <p:cNvPr id="4" name="그림 3">
+            <a:extLst>
+              <a:ext uri="{FF2B5EF4-FFF2-40B4-BE49-F238E27FC236}">
+                <a16:creationId xmlns:a16="http://schemas.microsoft.com/office/drawing/2014/main" id="{3ABB766C-1017-3646-88E7-FCEE8C407C8C}"/>
+              </a:ext>
+            </a:extLst>
+          </p:cNvPr>
+          <p:cNvPicPr>
+            <a:picLocks noChangeAspect="1"/>
+          </p:cNvPicPr>
+          <p:nvPr/>
+        </p:nvPicPr>
+        <p:blipFill>
+          <a:blip r:embed="rId3"/>
+          <a:stretch>
+            <a:fillRect/>
+          </a:stretch>
+        </p:blipFill>
+        <p:spPr>
+          <a:xfrm>
+            <a:off x="5484924" y="1323936"/>
+            <a:ext cx="5787652" cy="3856797"/>
+          </a:xfrm>
+          <a:prstGeom prst="rect">
+            <a:avLst/>
+          </a:prstGeom>
+        </p:spPr>
+      </p:pic>
+    </p:spTree>
+    <p:extLst>
+      <p:ext uri="{BB962C8B-B14F-4D97-AF65-F5344CB8AC3E}">
+        <p14:creationId xmlns:p14="http://schemas.microsoft.com/office/powerpoint/2010/main" val="3929551963"/>
+      </p:ext>
+    </p:extLst>
+  </p:cSld>
+  <p:clrMapOvr>
+    <a:masterClrMapping/>
+  </p:clrMapOvr>
+</p:sld>
+</file>
+
+<file path=ppt/slides/slide17.xml><?xml version="1.0" encoding="utf-8"?>
+<p:sld xmlns:a="http://schemas.openxmlformats.org/drawingml/2006/main" xmlns:r="http://schemas.openxmlformats.org/officeDocument/2006/relationships" xmlns:p="http://schemas.openxmlformats.org/presentationml/2006/main">
+  <p:cSld>
+    <p:spTree>
+      <p:nvGrpSpPr>
+        <p:cNvPr id="1" name=""/>
+        <p:cNvGrpSpPr/>
+        <p:nvPr/>
+      </p:nvGrpSpPr>
+      <p:grpSpPr>
+        <a:xfrm>
+          <a:off x="0" y="0"/>
+          <a:ext cx="0" cy="0"/>
+          <a:chOff x="0" y="0"/>
+          <a:chExt cx="0" cy="0"/>
+        </a:xfrm>
+      </p:grpSpPr>
+      <p:sp>
+        <p:nvSpPr>
           <p:cNvPr id="105" name="직사각형 104">
             <a:extLst>
               <a:ext uri="{FF2B5EF4-FFF2-40B4-BE49-F238E27FC236}">
